--- a/凡事都能做.pptx
+++ b/凡事都能做.pptx
@@ -2,7 +2,7 @@
 <file path=ppt/presentation.xml><?xml version="1.0" encoding="utf-8"?>
 <p:presentation xmlns:a="http://schemas.openxmlformats.org/drawingml/2006/main" xmlns:r="http://schemas.openxmlformats.org/officeDocument/2006/relationships" xmlns:p="http://schemas.openxmlformats.org/presentationml/2006/main" saveSubsetFonts="1">
   <p:sldMasterIdLst>
-    <p:sldMasterId id="2147483648" r:id="rId1"/>
+    <p:sldMasterId id="2147483660" r:id="rId1"/>
   </p:sldMasterIdLst>
   <p:sldIdLst>
     <p:sldId id="257" r:id="rId2"/>
@@ -290,7 +290,8 @@
           <a:p>
             <a:fld id="{BDDCA875-27AB-4822-BF5D-A821197CD970}" type="datetimeFigureOut">
               <a:rPr lang="zh-TW" altLang="en-US" smtClean="0"/>
-              <a:t>2017/12/19</a:t>
+              <a:pPr/>
+              <a:t>2019/3/30</a:t>
             </a:fld>
             <a:endParaRPr lang="zh-TW" altLang="en-US"/>
           </a:p>
@@ -332,6 +333,7 @@
           <a:p>
             <a:fld id="{546566E7-FF02-4EC2-8A3C-D97495F4D9E7}" type="slidenum">
               <a:rPr lang="zh-TW" altLang="en-US" smtClean="0"/>
+              <a:pPr/>
               <a:t>‹#›</a:t>
             </a:fld>
             <a:endParaRPr lang="zh-TW" altLang="en-US"/>
@@ -455,7 +457,8 @@
           <a:p>
             <a:fld id="{BDDCA875-27AB-4822-BF5D-A821197CD970}" type="datetimeFigureOut">
               <a:rPr lang="zh-TW" altLang="en-US" smtClean="0"/>
-              <a:t>2017/12/19</a:t>
+              <a:pPr/>
+              <a:t>2019/3/30</a:t>
             </a:fld>
             <a:endParaRPr lang="zh-TW" altLang="en-US"/>
           </a:p>
@@ -497,6 +500,7 @@
           <a:p>
             <a:fld id="{546566E7-FF02-4EC2-8A3C-D97495F4D9E7}" type="slidenum">
               <a:rPr lang="zh-TW" altLang="en-US" smtClean="0"/>
+              <a:pPr/>
               <a:t>‹#›</a:t>
             </a:fld>
             <a:endParaRPr lang="zh-TW" altLang="en-US"/>
@@ -630,7 +634,8 @@
           <a:p>
             <a:fld id="{BDDCA875-27AB-4822-BF5D-A821197CD970}" type="datetimeFigureOut">
               <a:rPr lang="zh-TW" altLang="en-US" smtClean="0"/>
-              <a:t>2017/12/19</a:t>
+              <a:pPr/>
+              <a:t>2019/3/30</a:t>
             </a:fld>
             <a:endParaRPr lang="zh-TW" altLang="en-US"/>
           </a:p>
@@ -672,6 +677,7 @@
           <a:p>
             <a:fld id="{546566E7-FF02-4EC2-8A3C-D97495F4D9E7}" type="slidenum">
               <a:rPr lang="zh-TW" altLang="en-US" smtClean="0"/>
+              <a:pPr/>
               <a:t>‹#›</a:t>
             </a:fld>
             <a:endParaRPr lang="zh-TW" altLang="en-US"/>
@@ -795,7 +801,8 @@
           <a:p>
             <a:fld id="{BDDCA875-27AB-4822-BF5D-A821197CD970}" type="datetimeFigureOut">
               <a:rPr lang="zh-TW" altLang="en-US" smtClean="0"/>
-              <a:t>2017/12/19</a:t>
+              <a:pPr/>
+              <a:t>2019/3/30</a:t>
             </a:fld>
             <a:endParaRPr lang="zh-TW" altLang="en-US"/>
           </a:p>
@@ -837,6 +844,7 @@
           <a:p>
             <a:fld id="{546566E7-FF02-4EC2-8A3C-D97495F4D9E7}" type="slidenum">
               <a:rPr lang="zh-TW" altLang="en-US" smtClean="0"/>
+              <a:pPr/>
               <a:t>‹#›</a:t>
             </a:fld>
             <a:endParaRPr lang="zh-TW" altLang="en-US"/>
@@ -1036,7 +1044,8 @@
           <a:p>
             <a:fld id="{BDDCA875-27AB-4822-BF5D-A821197CD970}" type="datetimeFigureOut">
               <a:rPr lang="zh-TW" altLang="en-US" smtClean="0"/>
-              <a:t>2017/12/19</a:t>
+              <a:pPr/>
+              <a:t>2019/3/30</a:t>
             </a:fld>
             <a:endParaRPr lang="zh-TW" altLang="en-US"/>
           </a:p>
@@ -1078,6 +1087,7 @@
           <a:p>
             <a:fld id="{546566E7-FF02-4EC2-8A3C-D97495F4D9E7}" type="slidenum">
               <a:rPr lang="zh-TW" altLang="en-US" smtClean="0"/>
+              <a:pPr/>
               <a:t>‹#›</a:t>
             </a:fld>
             <a:endParaRPr lang="zh-TW" altLang="en-US"/>
@@ -1319,7 +1329,8 @@
           <a:p>
             <a:fld id="{BDDCA875-27AB-4822-BF5D-A821197CD970}" type="datetimeFigureOut">
               <a:rPr lang="zh-TW" altLang="en-US" smtClean="0"/>
-              <a:t>2017/12/19</a:t>
+              <a:pPr/>
+              <a:t>2019/3/30</a:t>
             </a:fld>
             <a:endParaRPr lang="zh-TW" altLang="en-US"/>
           </a:p>
@@ -1361,6 +1372,7 @@
           <a:p>
             <a:fld id="{546566E7-FF02-4EC2-8A3C-D97495F4D9E7}" type="slidenum">
               <a:rPr lang="zh-TW" altLang="en-US" smtClean="0"/>
+              <a:pPr/>
               <a:t>‹#›</a:t>
             </a:fld>
             <a:endParaRPr lang="zh-TW" altLang="en-US"/>
@@ -1736,7 +1748,8 @@
           <a:p>
             <a:fld id="{BDDCA875-27AB-4822-BF5D-A821197CD970}" type="datetimeFigureOut">
               <a:rPr lang="zh-TW" altLang="en-US" smtClean="0"/>
-              <a:t>2017/12/19</a:t>
+              <a:pPr/>
+              <a:t>2019/3/30</a:t>
             </a:fld>
             <a:endParaRPr lang="zh-TW" altLang="en-US"/>
           </a:p>
@@ -1778,6 +1791,7 @@
           <a:p>
             <a:fld id="{546566E7-FF02-4EC2-8A3C-D97495F4D9E7}" type="slidenum">
               <a:rPr lang="zh-TW" altLang="en-US" smtClean="0"/>
+              <a:pPr/>
               <a:t>‹#›</a:t>
             </a:fld>
             <a:endParaRPr lang="zh-TW" altLang="en-US"/>
@@ -1849,7 +1863,8 @@
           <a:p>
             <a:fld id="{BDDCA875-27AB-4822-BF5D-A821197CD970}" type="datetimeFigureOut">
               <a:rPr lang="zh-TW" altLang="en-US" smtClean="0"/>
-              <a:t>2017/12/19</a:t>
+              <a:pPr/>
+              <a:t>2019/3/30</a:t>
             </a:fld>
             <a:endParaRPr lang="zh-TW" altLang="en-US"/>
           </a:p>
@@ -1891,6 +1906,7 @@
           <a:p>
             <a:fld id="{546566E7-FF02-4EC2-8A3C-D97495F4D9E7}" type="slidenum">
               <a:rPr lang="zh-TW" altLang="en-US" smtClean="0"/>
+              <a:pPr/>
               <a:t>‹#›</a:t>
             </a:fld>
             <a:endParaRPr lang="zh-TW" altLang="en-US"/>
@@ -1939,7 +1955,8 @@
           <a:p>
             <a:fld id="{BDDCA875-27AB-4822-BF5D-A821197CD970}" type="datetimeFigureOut">
               <a:rPr lang="zh-TW" altLang="en-US" smtClean="0"/>
-              <a:t>2017/12/19</a:t>
+              <a:pPr/>
+              <a:t>2019/3/30</a:t>
             </a:fld>
             <a:endParaRPr lang="zh-TW" altLang="en-US"/>
           </a:p>
@@ -1981,6 +1998,7 @@
           <a:p>
             <a:fld id="{546566E7-FF02-4EC2-8A3C-D97495F4D9E7}" type="slidenum">
               <a:rPr lang="zh-TW" altLang="en-US" smtClean="0"/>
+              <a:pPr/>
               <a:t>‹#›</a:t>
             </a:fld>
             <a:endParaRPr lang="zh-TW" altLang="en-US"/>
@@ -2211,7 +2229,8 @@
           <a:p>
             <a:fld id="{BDDCA875-27AB-4822-BF5D-A821197CD970}" type="datetimeFigureOut">
               <a:rPr lang="zh-TW" altLang="en-US" smtClean="0"/>
-              <a:t>2017/12/19</a:t>
+              <a:pPr/>
+              <a:t>2019/3/30</a:t>
             </a:fld>
             <a:endParaRPr lang="zh-TW" altLang="en-US"/>
           </a:p>
@@ -2253,6 +2272,7 @@
           <a:p>
             <a:fld id="{546566E7-FF02-4EC2-8A3C-D97495F4D9E7}" type="slidenum">
               <a:rPr lang="zh-TW" altLang="en-US" smtClean="0"/>
+              <a:pPr/>
               <a:t>‹#›</a:t>
             </a:fld>
             <a:endParaRPr lang="zh-TW" altLang="en-US"/>
@@ -2373,6 +2393,10 @@
             </a:lvl9pPr>
           </a:lstStyle>
           <a:p>
+            <a:r>
+              <a:rPr lang="zh-TW" altLang="en-US" smtClean="0"/>
+              <a:t>按一下圖示以新增圖片</a:t>
+            </a:r>
             <a:endParaRPr lang="zh-TW" altLang="en-US"/>
           </a:p>
         </p:txBody>
@@ -2459,7 +2483,8 @@
           <a:p>
             <a:fld id="{BDDCA875-27AB-4822-BF5D-A821197CD970}" type="datetimeFigureOut">
               <a:rPr lang="zh-TW" altLang="en-US" smtClean="0"/>
-              <a:t>2017/12/19</a:t>
+              <a:pPr/>
+              <a:t>2019/3/30</a:t>
             </a:fld>
             <a:endParaRPr lang="zh-TW" altLang="en-US"/>
           </a:p>
@@ -2501,6 +2526,7 @@
           <a:p>
             <a:fld id="{546566E7-FF02-4EC2-8A3C-D97495F4D9E7}" type="slidenum">
               <a:rPr lang="zh-TW" altLang="en-US" smtClean="0"/>
+              <a:pPr/>
               <a:t>‹#›</a:t>
             </a:fld>
             <a:endParaRPr lang="zh-TW" altLang="en-US"/>
@@ -2519,9 +2545,14 @@
 <p:sldMaster xmlns:a="http://schemas.openxmlformats.org/drawingml/2006/main" xmlns:r="http://schemas.openxmlformats.org/officeDocument/2006/relationships" xmlns:p="http://schemas.openxmlformats.org/presentationml/2006/main">
   <p:cSld>
     <p:bg>
-      <p:bgRef idx="1001">
-        <a:schemeClr val="bg1"/>
-      </p:bgRef>
+      <p:bgPr>
+        <a:blipFill dpi="0" rotWithShape="1">
+          <a:blip r:embed="rId13"/>
+          <a:srcRect/>
+          <a:tile tx="0" ty="0" sx="100000" sy="100000" flip="none" algn="tl"/>
+        </a:blipFill>
+        <a:effectLst/>
+      </p:bgPr>
     </p:bg>
     <p:spTree>
       <p:nvGrpSpPr>
@@ -2667,7 +2698,8 @@
           <a:p>
             <a:fld id="{BDDCA875-27AB-4822-BF5D-A821197CD970}" type="datetimeFigureOut">
               <a:rPr lang="zh-TW" altLang="en-US" smtClean="0"/>
-              <a:t>2017/12/19</a:t>
+              <a:pPr/>
+              <a:t>2019/3/30</a:t>
             </a:fld>
             <a:endParaRPr lang="zh-TW" altLang="en-US"/>
           </a:p>
@@ -2745,6 +2777,7 @@
           <a:p>
             <a:fld id="{546566E7-FF02-4EC2-8A3C-D97495F4D9E7}" type="slidenum">
               <a:rPr lang="zh-TW" altLang="en-US" smtClean="0"/>
+              <a:pPr/>
               <a:t>‹#›</a:t>
             </a:fld>
             <a:endParaRPr lang="zh-TW" altLang="en-US"/>
@@ -2755,17 +2788,17 @@
   </p:cSld>
   <p:clrMap bg1="lt1" tx1="dk1" bg2="lt2" tx2="dk2" accent1="accent1" accent2="accent2" accent3="accent3" accent4="accent4" accent5="accent5" accent6="accent6" hlink="hlink" folHlink="folHlink"/>
   <p:sldLayoutIdLst>
-    <p:sldLayoutId id="2147483649" r:id="rId1"/>
-    <p:sldLayoutId id="2147483650" r:id="rId2"/>
-    <p:sldLayoutId id="2147483651" r:id="rId3"/>
-    <p:sldLayoutId id="2147483652" r:id="rId4"/>
-    <p:sldLayoutId id="2147483653" r:id="rId5"/>
-    <p:sldLayoutId id="2147483654" r:id="rId6"/>
-    <p:sldLayoutId id="2147483655" r:id="rId7"/>
-    <p:sldLayoutId id="2147483656" r:id="rId8"/>
-    <p:sldLayoutId id="2147483657" r:id="rId9"/>
-    <p:sldLayoutId id="2147483658" r:id="rId10"/>
-    <p:sldLayoutId id="2147483659" r:id="rId11"/>
+    <p:sldLayoutId id="2147483661" r:id="rId1"/>
+    <p:sldLayoutId id="2147483662" r:id="rId2"/>
+    <p:sldLayoutId id="2147483663" r:id="rId3"/>
+    <p:sldLayoutId id="2147483664" r:id="rId4"/>
+    <p:sldLayoutId id="2147483665" r:id="rId5"/>
+    <p:sldLayoutId id="2147483666" r:id="rId6"/>
+    <p:sldLayoutId id="2147483667" r:id="rId7"/>
+    <p:sldLayoutId id="2147483668" r:id="rId8"/>
+    <p:sldLayoutId id="2147483669" r:id="rId9"/>
+    <p:sldLayoutId id="2147483670" r:id="rId10"/>
+    <p:sldLayoutId id="2147483671" r:id="rId11"/>
   </p:sldLayoutIdLst>
   <p:txStyles>
     <p:titleStyle>
@@ -3054,6 +3087,9 @@
           <a:p>
             <a:r>
               <a:rPr lang="zh-TW" altLang="en-US" b="1" dirty="0">
+                <a:solidFill>
+                  <a:srgbClr val="660033"/>
+                </a:solidFill>
                 <a:latin typeface="微軟正黑體" pitchFamily="34" charset="-120"/>
                 <a:ea typeface="微軟正黑體" pitchFamily="34" charset="-120"/>
               </a:rPr>
@@ -3084,6 +3120,9 @@
             </a:pPr>
             <a:r>
               <a:rPr lang="zh-TW" altLang="en-US" sz="5400" b="1" dirty="0">
+                <a:solidFill>
+                  <a:srgbClr val="660033"/>
+                </a:solidFill>
                 <a:latin typeface="微軟正黑體" pitchFamily="34" charset="-120"/>
                 <a:ea typeface="微軟正黑體" pitchFamily="34" charset="-120"/>
               </a:rPr>
@@ -3091,12 +3130,18 @@
             </a:r>
             <a:r>
               <a:rPr lang="zh-TW" altLang="en-US" sz="5400" b="1" dirty="0" smtClean="0">
+                <a:solidFill>
+                  <a:srgbClr val="660033"/>
+                </a:solidFill>
                 <a:latin typeface="微軟正黑體" pitchFamily="34" charset="-120"/>
                 <a:ea typeface="微軟正黑體" pitchFamily="34" charset="-120"/>
               </a:rPr>
               <a:t>看見</a:t>
             </a:r>
             <a:endParaRPr lang="en-US" altLang="zh-TW" sz="5400" b="1" dirty="0" smtClean="0">
+              <a:solidFill>
+                <a:srgbClr val="660033"/>
+              </a:solidFill>
               <a:latin typeface="微軟正黑體" pitchFamily="34" charset="-120"/>
               <a:ea typeface="微軟正黑體" pitchFamily="34" charset="-120"/>
             </a:endParaRPr>
@@ -3107,6 +3152,9 @@
             </a:pPr>
             <a:r>
               <a:rPr lang="zh-TW" altLang="en-US" sz="5400" b="1" dirty="0" smtClean="0">
+                <a:solidFill>
+                  <a:srgbClr val="660033"/>
+                </a:solidFill>
                 <a:latin typeface="微軟正黑體" pitchFamily="34" charset="-120"/>
                 <a:ea typeface="微軟正黑體" pitchFamily="34" charset="-120"/>
               </a:rPr>
@@ -3114,6 +3162,9 @@
             </a:r>
             <a:r>
               <a:rPr lang="zh-TW" altLang="en-US" sz="5400" b="1" dirty="0">
+                <a:solidFill>
+                  <a:srgbClr val="660033"/>
+                </a:solidFill>
                 <a:latin typeface="微軟正黑體" pitchFamily="34" charset="-120"/>
                 <a:ea typeface="微軟正黑體" pitchFamily="34" charset="-120"/>
               </a:rPr>
@@ -3121,12 +3172,18 @@
             </a:r>
             <a:r>
               <a:rPr lang="zh-TW" altLang="en-US" sz="5400" b="1" dirty="0" smtClean="0">
+                <a:solidFill>
+                  <a:srgbClr val="660033"/>
+                </a:solidFill>
                 <a:latin typeface="微軟正黑體" pitchFamily="34" charset="-120"/>
                 <a:ea typeface="微軟正黑體" pitchFamily="34" charset="-120"/>
               </a:rPr>
               <a:t>架</a:t>
             </a:r>
             <a:endParaRPr lang="en-US" altLang="zh-TW" sz="5400" b="1" dirty="0">
+              <a:solidFill>
+                <a:srgbClr val="660033"/>
+              </a:solidFill>
               <a:latin typeface="微軟正黑體" pitchFamily="34" charset="-120"/>
               <a:ea typeface="微軟正黑體" pitchFamily="34" charset="-120"/>
             </a:endParaRPr>
@@ -3137,6 +3194,9 @@
             </a:pPr>
             <a:r>
               <a:rPr lang="zh-TW" altLang="en-US" sz="5400" b="1" dirty="0" smtClean="0">
+                <a:solidFill>
+                  <a:srgbClr val="660033"/>
+                </a:solidFill>
                 <a:latin typeface="微軟正黑體" pitchFamily="34" charset="-120"/>
                 <a:ea typeface="微軟正黑體" pitchFamily="34" charset="-120"/>
               </a:rPr>
@@ -3144,6 +3204,9 @@
             </a:r>
             <a:r>
               <a:rPr lang="zh-TW" altLang="en-US" sz="5400" b="1" dirty="0">
+                <a:solidFill>
+                  <a:srgbClr val="660033"/>
+                </a:solidFill>
                 <a:latin typeface="微軟正黑體" pitchFamily="34" charset="-120"/>
                 <a:ea typeface="微軟正黑體" pitchFamily="34" charset="-120"/>
               </a:rPr>
@@ -3151,12 +3214,18 @@
             </a:r>
             <a:r>
               <a:rPr lang="zh-TW" altLang="en-US" sz="5400" b="1" dirty="0" smtClean="0">
+                <a:solidFill>
+                  <a:srgbClr val="660033"/>
+                </a:solidFill>
                 <a:latin typeface="微軟正黑體" pitchFamily="34" charset="-120"/>
                 <a:ea typeface="微軟正黑體" pitchFamily="34" charset="-120"/>
               </a:rPr>
               <a:t>托</a:t>
             </a:r>
             <a:endParaRPr lang="en-US" altLang="zh-TW" sz="5400" b="1" dirty="0" smtClean="0">
+              <a:solidFill>
+                <a:srgbClr val="660033"/>
+              </a:solidFill>
               <a:latin typeface="微軟正黑體" pitchFamily="34" charset="-120"/>
               <a:ea typeface="微軟正黑體" pitchFamily="34" charset="-120"/>
             </a:endParaRPr>
@@ -3167,6 +3236,9 @@
             </a:pPr>
             <a:r>
               <a:rPr lang="zh-TW" altLang="en-US" sz="5400" b="1" dirty="0" smtClean="0">
+                <a:solidFill>
+                  <a:srgbClr val="660033"/>
+                </a:solidFill>
                 <a:latin typeface="微軟正黑體" pitchFamily="34" charset="-120"/>
                 <a:ea typeface="微軟正黑體" pitchFamily="34" charset="-120"/>
               </a:rPr>
@@ -3174,6 +3246,9 @@
             </a:r>
             <a:r>
               <a:rPr lang="zh-TW" altLang="en-US" sz="5400" b="1" dirty="0">
+                <a:solidFill>
+                  <a:srgbClr val="660033"/>
+                </a:solidFill>
                 <a:latin typeface="微軟正黑體" pitchFamily="34" charset="-120"/>
                 <a:ea typeface="微軟正黑體" pitchFamily="34" charset="-120"/>
               </a:rPr>
@@ -3181,12 +3256,18 @@
             </a:r>
             <a:r>
               <a:rPr lang="zh-TW" altLang="en-US" sz="5400" b="1" dirty="0" smtClean="0">
+                <a:solidFill>
+                  <a:srgbClr val="660033"/>
+                </a:solidFill>
                 <a:latin typeface="微軟正黑體" pitchFamily="34" charset="-120"/>
                 <a:ea typeface="微軟正黑體" pitchFamily="34" charset="-120"/>
               </a:rPr>
               <a:t>掌權</a:t>
             </a:r>
             <a:endParaRPr lang="zh-TW" altLang="en-US" sz="5400" b="1" dirty="0">
+              <a:solidFill>
+                <a:srgbClr val="660033"/>
+              </a:solidFill>
               <a:latin typeface="微軟正黑體" pitchFamily="34" charset="-120"/>
               <a:ea typeface="微軟正黑體" pitchFamily="34" charset="-120"/>
             </a:endParaRPr>
@@ -3235,6 +3316,9 @@
           <a:p>
             <a:r>
               <a:rPr lang="zh-TW" altLang="en-US" b="1" dirty="0">
+                <a:solidFill>
+                  <a:srgbClr val="660033"/>
+                </a:solidFill>
                 <a:latin typeface="微軟正黑體" pitchFamily="34" charset="-120"/>
                 <a:ea typeface="微軟正黑體" pitchFamily="34" charset="-120"/>
               </a:rPr>
@@ -3265,6 +3349,9 @@
             </a:pPr>
             <a:r>
               <a:rPr lang="zh-TW" altLang="en-US" sz="5400" b="1" dirty="0">
+                <a:solidFill>
+                  <a:srgbClr val="660033"/>
+                </a:solidFill>
                 <a:latin typeface="微軟正黑體" pitchFamily="34" charset="-120"/>
                 <a:ea typeface="微軟正黑體" pitchFamily="34" charset="-120"/>
                 <a:cs typeface="+mj-cs"/>
@@ -3272,6 +3359,9 @@
               <a:t>我靠著那加給我力量的</a:t>
             </a:r>
             <a:endParaRPr lang="en-US" altLang="zh-TW" sz="5400" b="1" dirty="0">
+              <a:solidFill>
+                <a:srgbClr val="660033"/>
+              </a:solidFill>
               <a:latin typeface="微軟正黑體" pitchFamily="34" charset="-120"/>
               <a:ea typeface="微軟正黑體" pitchFamily="34" charset="-120"/>
               <a:cs typeface="+mj-cs"/>
@@ -3283,6 +3373,9 @@
             </a:pPr>
             <a:r>
               <a:rPr lang="zh-TW" altLang="en-US" sz="5400" b="1" dirty="0">
+                <a:solidFill>
+                  <a:srgbClr val="660033"/>
+                </a:solidFill>
                 <a:latin typeface="微軟正黑體" pitchFamily="34" charset="-120"/>
                 <a:ea typeface="微軟正黑體" pitchFamily="34" charset="-120"/>
                 <a:cs typeface="+mj-cs"/>
@@ -3290,6 +3383,9 @@
               <a:t>凡事都能做</a:t>
             </a:r>
             <a:endParaRPr lang="en-US" altLang="zh-TW" sz="5400" b="1" dirty="0">
+              <a:solidFill>
+                <a:srgbClr val="660033"/>
+              </a:solidFill>
               <a:latin typeface="微軟正黑體" pitchFamily="34" charset="-120"/>
               <a:ea typeface="微軟正黑體" pitchFamily="34" charset="-120"/>
               <a:cs typeface="+mj-cs"/>
@@ -3301,6 +3397,9 @@
             </a:pPr>
             <a:r>
               <a:rPr lang="zh-TW" altLang="en-US" sz="5400" b="1" dirty="0">
+                <a:solidFill>
+                  <a:srgbClr val="660033"/>
+                </a:solidFill>
                 <a:latin typeface="微軟正黑體" pitchFamily="34" charset="-120"/>
                 <a:ea typeface="微軟正黑體" pitchFamily="34" charset="-120"/>
                 <a:cs typeface="+mj-cs"/>
@@ -3308,6 +3407,9 @@
               <a:t>或風浪或低谷</a:t>
             </a:r>
             <a:endParaRPr lang="en-US" altLang="zh-TW" sz="5400" b="1" dirty="0">
+              <a:solidFill>
+                <a:srgbClr val="660033"/>
+              </a:solidFill>
               <a:latin typeface="微軟正黑體" pitchFamily="34" charset="-120"/>
               <a:ea typeface="微軟正黑體" pitchFamily="34" charset="-120"/>
               <a:cs typeface="+mj-cs"/>
@@ -3319,6 +3421,9 @@
             </a:pPr>
             <a:r>
               <a:rPr lang="zh-TW" altLang="en-US" sz="5400" b="1" dirty="0">
+                <a:solidFill>
+                  <a:srgbClr val="660033"/>
+                </a:solidFill>
                 <a:latin typeface="微軟正黑體" pitchFamily="34" charset="-120"/>
                 <a:ea typeface="微軟正黑體" pitchFamily="34" charset="-120"/>
                 <a:cs typeface="+mj-cs"/>
@@ -3370,6 +3475,9 @@
           <a:p>
             <a:r>
               <a:rPr lang="zh-TW" altLang="en-US" b="1" dirty="0">
+                <a:solidFill>
+                  <a:srgbClr val="660033"/>
+                </a:solidFill>
                 <a:latin typeface="微軟正黑體" pitchFamily="34" charset="-120"/>
                 <a:ea typeface="微軟正黑體" pitchFamily="34" charset="-120"/>
               </a:rPr>
@@ -3400,6 +3508,9 @@
             </a:pPr>
             <a:r>
               <a:rPr lang="zh-TW" altLang="en-US" sz="5400" b="1" dirty="0">
+                <a:solidFill>
+                  <a:srgbClr val="660033"/>
+                </a:solidFill>
                 <a:latin typeface="微軟正黑體" pitchFamily="34" charset="-120"/>
                 <a:ea typeface="微軟正黑體" pitchFamily="34" charset="-120"/>
                 <a:cs typeface="+mj-cs"/>
@@ -3407,6 +3518,9 @@
               <a:t>我靠著那加給我力量的</a:t>
             </a:r>
             <a:endParaRPr lang="en-US" altLang="zh-TW" sz="5400" b="1" dirty="0">
+              <a:solidFill>
+                <a:srgbClr val="660033"/>
+              </a:solidFill>
               <a:latin typeface="微軟正黑體" pitchFamily="34" charset="-120"/>
               <a:ea typeface="微軟正黑體" pitchFamily="34" charset="-120"/>
               <a:cs typeface="+mj-cs"/>
@@ -3418,6 +3532,9 @@
             </a:pPr>
             <a:r>
               <a:rPr lang="zh-TW" altLang="en-US" sz="5400" b="1" dirty="0">
+                <a:solidFill>
+                  <a:srgbClr val="660033"/>
+                </a:solidFill>
                 <a:latin typeface="微軟正黑體" pitchFamily="34" charset="-120"/>
                 <a:ea typeface="微軟正黑體" pitchFamily="34" charset="-120"/>
                 <a:cs typeface="+mj-cs"/>
@@ -3425,6 +3542,9 @@
               <a:t>凡事都能做</a:t>
             </a:r>
             <a:endParaRPr lang="en-US" altLang="zh-TW" sz="5400" b="1" dirty="0">
+              <a:solidFill>
+                <a:srgbClr val="660033"/>
+              </a:solidFill>
               <a:latin typeface="微軟正黑體" pitchFamily="34" charset="-120"/>
               <a:ea typeface="微軟正黑體" pitchFamily="34" charset="-120"/>
               <a:cs typeface="+mj-cs"/>
@@ -3436,6 +3556,9 @@
             </a:pPr>
             <a:r>
               <a:rPr lang="zh-TW" altLang="en-US" sz="5400" b="1" dirty="0">
+                <a:solidFill>
+                  <a:srgbClr val="660033"/>
+                </a:solidFill>
                 <a:latin typeface="微軟正黑體" pitchFamily="34" charset="-120"/>
                 <a:ea typeface="微軟正黑體" pitchFamily="34" charset="-120"/>
                 <a:cs typeface="+mj-cs"/>
@@ -3443,6 +3566,9 @@
               <a:t>行在主的旨意</a:t>
             </a:r>
             <a:endParaRPr lang="en-US" altLang="zh-TW" sz="5400" b="1" dirty="0">
+              <a:solidFill>
+                <a:srgbClr val="660033"/>
+              </a:solidFill>
               <a:latin typeface="微軟正黑體" pitchFamily="34" charset="-120"/>
               <a:ea typeface="微軟正黑體" pitchFamily="34" charset="-120"/>
               <a:cs typeface="+mj-cs"/>
@@ -3454,6 +3580,9 @@
             </a:pPr>
             <a:r>
               <a:rPr lang="zh-TW" altLang="en-US" sz="5400" b="1" dirty="0">
+                <a:solidFill>
+                  <a:srgbClr val="660033"/>
+                </a:solidFill>
                 <a:latin typeface="微軟正黑體" pitchFamily="34" charset="-120"/>
                 <a:ea typeface="微軟正黑體" pitchFamily="34" charset="-120"/>
                 <a:cs typeface="+mj-cs"/>
@@ -3472,7 +3601,7 @@
 </file>
 
 <file path=ppt/theme/theme1.xml><?xml version="1.0" encoding="utf-8"?>
-<a:theme xmlns:a="http://schemas.openxmlformats.org/drawingml/2006/main" name="Office 佈景主題">
+<a:theme xmlns:a="http://schemas.openxmlformats.org/drawingml/2006/main" name="佈景主題1">
   <a:themeElements>
     <a:clrScheme name="Office">
       <a:dk1>

--- a/凡事都能做.pptx
+++ b/凡事都能做.pptx
@@ -9,7 +9,7 @@
     <p:sldId id="258" r:id="rId3"/>
     <p:sldId id="259" r:id="rId4"/>
   </p:sldIdLst>
-  <p:sldSz cx="9144000" cy="6858000" type="screen4x3"/>
+  <p:sldSz cx="9144000" cy="5143500" type="screen16x9"/>
   <p:notesSz cx="6858000" cy="9144000"/>
   <p:defaultTextStyle>
     <a:defPPr>
@@ -138,8 +138,8 @@
         </p:nvSpPr>
         <p:spPr>
           <a:xfrm>
-            <a:off x="685800" y="2130425"/>
-            <a:ext cx="7772400" cy="1470025"/>
+            <a:off x="685800" y="1597819"/>
+            <a:ext cx="7772400" cy="1102519"/>
           </a:xfrm>
         </p:spPr>
         <p:txBody>
@@ -166,8 +166,8 @@
         </p:nvSpPr>
         <p:spPr>
           <a:xfrm>
-            <a:off x="1371600" y="3886200"/>
-            <a:ext cx="6400800" cy="1752600"/>
+            <a:off x="1371600" y="2914650"/>
+            <a:ext cx="6400800" cy="1314450"/>
           </a:xfrm>
         </p:spPr>
         <p:txBody>
@@ -291,7 +291,7 @@
             <a:fld id="{BDDCA875-27AB-4822-BF5D-A821197CD970}" type="datetimeFigureOut">
               <a:rPr lang="zh-TW" altLang="en-US" smtClean="0"/>
               <a:pPr/>
-              <a:t>2019/3/30</a:t>
+              <a:t>2019/10/12</a:t>
             </a:fld>
             <a:endParaRPr lang="zh-TW" altLang="en-US"/>
           </a:p>
@@ -458,7 +458,7 @@
             <a:fld id="{BDDCA875-27AB-4822-BF5D-A821197CD970}" type="datetimeFigureOut">
               <a:rPr lang="zh-TW" altLang="en-US" smtClean="0"/>
               <a:pPr/>
-              <a:t>2019/3/30</a:t>
+              <a:t>2019/10/12</a:t>
             </a:fld>
             <a:endParaRPr lang="zh-TW" altLang="en-US"/>
           </a:p>
@@ -544,8 +544,8 @@
         </p:nvSpPr>
         <p:spPr>
           <a:xfrm>
-            <a:off x="6629400" y="274638"/>
-            <a:ext cx="2057400" cy="5851525"/>
+            <a:off x="6629400" y="205979"/>
+            <a:ext cx="2057400" cy="4388644"/>
           </a:xfrm>
         </p:spPr>
         <p:txBody>
@@ -572,8 +572,8 @@
         </p:nvSpPr>
         <p:spPr>
           <a:xfrm>
-            <a:off x="457200" y="274638"/>
-            <a:ext cx="6019800" cy="5851525"/>
+            <a:off x="457200" y="205979"/>
+            <a:ext cx="6019800" cy="4388644"/>
           </a:xfrm>
         </p:spPr>
         <p:txBody>
@@ -635,7 +635,7 @@
             <a:fld id="{BDDCA875-27AB-4822-BF5D-A821197CD970}" type="datetimeFigureOut">
               <a:rPr lang="zh-TW" altLang="en-US" smtClean="0"/>
               <a:pPr/>
-              <a:t>2019/3/30</a:t>
+              <a:t>2019/10/12</a:t>
             </a:fld>
             <a:endParaRPr lang="zh-TW" altLang="en-US"/>
           </a:p>
@@ -802,7 +802,7 @@
             <a:fld id="{BDDCA875-27AB-4822-BF5D-A821197CD970}" type="datetimeFigureOut">
               <a:rPr lang="zh-TW" altLang="en-US" smtClean="0"/>
               <a:pPr/>
-              <a:t>2019/3/30</a:t>
+              <a:t>2019/10/12</a:t>
             </a:fld>
             <a:endParaRPr lang="zh-TW" altLang="en-US"/>
           </a:p>
@@ -888,8 +888,8 @@
         </p:nvSpPr>
         <p:spPr>
           <a:xfrm>
-            <a:off x="722313" y="4406900"/>
-            <a:ext cx="7772400" cy="1362075"/>
+            <a:off x="722313" y="3305176"/>
+            <a:ext cx="7772400" cy="1021556"/>
           </a:xfrm>
         </p:spPr>
         <p:txBody>
@@ -920,8 +920,8 @@
         </p:nvSpPr>
         <p:spPr>
           <a:xfrm>
-            <a:off x="722313" y="2906713"/>
-            <a:ext cx="7772400" cy="1500187"/>
+            <a:off x="722313" y="2180035"/>
+            <a:ext cx="7772400" cy="1125140"/>
           </a:xfrm>
         </p:spPr>
         <p:txBody>
@@ -1045,7 +1045,7 @@
             <a:fld id="{BDDCA875-27AB-4822-BF5D-A821197CD970}" type="datetimeFigureOut">
               <a:rPr lang="zh-TW" altLang="en-US" smtClean="0"/>
               <a:pPr/>
-              <a:t>2019/3/30</a:t>
+              <a:t>2019/10/12</a:t>
             </a:fld>
             <a:endParaRPr lang="zh-TW" altLang="en-US"/>
           </a:p>
@@ -1154,8 +1154,8 @@
         </p:nvSpPr>
         <p:spPr>
           <a:xfrm>
-            <a:off x="457200" y="1600200"/>
-            <a:ext cx="4038600" cy="4525963"/>
+            <a:off x="457200" y="1200151"/>
+            <a:ext cx="4038600" cy="3394472"/>
           </a:xfrm>
         </p:spPr>
         <p:txBody>
@@ -1239,8 +1239,8 @@
         </p:nvSpPr>
         <p:spPr>
           <a:xfrm>
-            <a:off x="4648200" y="1600200"/>
-            <a:ext cx="4038600" cy="4525963"/>
+            <a:off x="4648200" y="1200151"/>
+            <a:ext cx="4038600" cy="3394472"/>
           </a:xfrm>
         </p:spPr>
         <p:txBody>
@@ -1330,7 +1330,7 @@
             <a:fld id="{BDDCA875-27AB-4822-BF5D-A821197CD970}" type="datetimeFigureOut">
               <a:rPr lang="zh-TW" altLang="en-US" smtClean="0"/>
               <a:pPr/>
-              <a:t>2019/3/30</a:t>
+              <a:t>2019/10/12</a:t>
             </a:fld>
             <a:endParaRPr lang="zh-TW" altLang="en-US"/>
           </a:p>
@@ -1443,8 +1443,8 @@
         </p:nvSpPr>
         <p:spPr>
           <a:xfrm>
-            <a:off x="457200" y="1535113"/>
-            <a:ext cx="4040188" cy="639762"/>
+            <a:off x="457200" y="1151335"/>
+            <a:ext cx="4040188" cy="479822"/>
           </a:xfrm>
         </p:spPr>
         <p:txBody>
@@ -1508,8 +1508,8 @@
         </p:nvSpPr>
         <p:spPr>
           <a:xfrm>
-            <a:off x="457200" y="2174875"/>
-            <a:ext cx="4040188" cy="3951288"/>
+            <a:off x="457200" y="1631156"/>
+            <a:ext cx="4040188" cy="2963466"/>
           </a:xfrm>
         </p:spPr>
         <p:txBody>
@@ -1593,8 +1593,8 @@
         </p:nvSpPr>
         <p:spPr>
           <a:xfrm>
-            <a:off x="4645025" y="1535113"/>
-            <a:ext cx="4041775" cy="639762"/>
+            <a:off x="4645026" y="1151335"/>
+            <a:ext cx="4041775" cy="479822"/>
           </a:xfrm>
         </p:spPr>
         <p:txBody>
@@ -1658,8 +1658,8 @@
         </p:nvSpPr>
         <p:spPr>
           <a:xfrm>
-            <a:off x="4645025" y="2174875"/>
-            <a:ext cx="4041775" cy="3951288"/>
+            <a:off x="4645026" y="1631156"/>
+            <a:ext cx="4041775" cy="2963466"/>
           </a:xfrm>
         </p:spPr>
         <p:txBody>
@@ -1749,7 +1749,7 @@
             <a:fld id="{BDDCA875-27AB-4822-BF5D-A821197CD970}" type="datetimeFigureOut">
               <a:rPr lang="zh-TW" altLang="en-US" smtClean="0"/>
               <a:pPr/>
-              <a:t>2019/3/30</a:t>
+              <a:t>2019/10/12</a:t>
             </a:fld>
             <a:endParaRPr lang="zh-TW" altLang="en-US"/>
           </a:p>
@@ -1864,7 +1864,7 @@
             <a:fld id="{BDDCA875-27AB-4822-BF5D-A821197CD970}" type="datetimeFigureOut">
               <a:rPr lang="zh-TW" altLang="en-US" smtClean="0"/>
               <a:pPr/>
-              <a:t>2019/3/30</a:t>
+              <a:t>2019/10/12</a:t>
             </a:fld>
             <a:endParaRPr lang="zh-TW" altLang="en-US"/>
           </a:p>
@@ -1956,7 +1956,7 @@
             <a:fld id="{BDDCA875-27AB-4822-BF5D-A821197CD970}" type="datetimeFigureOut">
               <a:rPr lang="zh-TW" altLang="en-US" smtClean="0"/>
               <a:pPr/>
-              <a:t>2019/3/30</a:t>
+              <a:t>2019/10/12</a:t>
             </a:fld>
             <a:endParaRPr lang="zh-TW" altLang="en-US"/>
           </a:p>
@@ -2042,8 +2042,8 @@
         </p:nvSpPr>
         <p:spPr>
           <a:xfrm>
-            <a:off x="457200" y="273050"/>
-            <a:ext cx="3008313" cy="1162050"/>
+            <a:off x="457201" y="204787"/>
+            <a:ext cx="3008313" cy="871538"/>
           </a:xfrm>
         </p:spPr>
         <p:txBody>
@@ -2074,8 +2074,8 @@
         </p:nvSpPr>
         <p:spPr>
           <a:xfrm>
-            <a:off x="3575050" y="273050"/>
-            <a:ext cx="5111750" cy="5853113"/>
+            <a:off x="3575050" y="204788"/>
+            <a:ext cx="5111750" cy="4389835"/>
           </a:xfrm>
         </p:spPr>
         <p:txBody>
@@ -2159,8 +2159,8 @@
         </p:nvSpPr>
         <p:spPr>
           <a:xfrm>
-            <a:off x="457200" y="1435100"/>
-            <a:ext cx="3008313" cy="4691063"/>
+            <a:off x="457201" y="1076326"/>
+            <a:ext cx="3008313" cy="3518297"/>
           </a:xfrm>
         </p:spPr>
         <p:txBody>
@@ -2230,7 +2230,7 @@
             <a:fld id="{BDDCA875-27AB-4822-BF5D-A821197CD970}" type="datetimeFigureOut">
               <a:rPr lang="zh-TW" altLang="en-US" smtClean="0"/>
               <a:pPr/>
-              <a:t>2019/3/30</a:t>
+              <a:t>2019/10/12</a:t>
             </a:fld>
             <a:endParaRPr lang="zh-TW" altLang="en-US"/>
           </a:p>
@@ -2316,8 +2316,8 @@
         </p:nvSpPr>
         <p:spPr>
           <a:xfrm>
-            <a:off x="1792288" y="4800600"/>
-            <a:ext cx="5486400" cy="566738"/>
+            <a:off x="1792288" y="3600450"/>
+            <a:ext cx="5486400" cy="425054"/>
           </a:xfrm>
         </p:spPr>
         <p:txBody>
@@ -2348,8 +2348,8 @@
         </p:nvSpPr>
         <p:spPr>
           <a:xfrm>
-            <a:off x="1792288" y="612775"/>
-            <a:ext cx="5486400" cy="4114800"/>
+            <a:off x="1792288" y="459581"/>
+            <a:ext cx="5486400" cy="3086100"/>
           </a:xfrm>
         </p:spPr>
         <p:txBody>
@@ -2413,8 +2413,8 @@
         </p:nvSpPr>
         <p:spPr>
           <a:xfrm>
-            <a:off x="1792288" y="5367338"/>
-            <a:ext cx="5486400" cy="804862"/>
+            <a:off x="1792288" y="4025503"/>
+            <a:ext cx="5486400" cy="603647"/>
           </a:xfrm>
         </p:spPr>
         <p:txBody>
@@ -2484,7 +2484,7 @@
             <a:fld id="{BDDCA875-27AB-4822-BF5D-A821197CD970}" type="datetimeFigureOut">
               <a:rPr lang="zh-TW" altLang="en-US" smtClean="0"/>
               <a:pPr/>
-              <a:t>2019/3/30</a:t>
+              <a:t>2019/10/12</a:t>
             </a:fld>
             <a:endParaRPr lang="zh-TW" altLang="en-US"/>
           </a:p>
@@ -2580,8 +2580,8 @@
         </p:nvSpPr>
         <p:spPr>
           <a:xfrm>
-            <a:off x="457200" y="274638"/>
-            <a:ext cx="8229600" cy="1143000"/>
+            <a:off x="457200" y="205979"/>
+            <a:ext cx="8229600" cy="857250"/>
           </a:xfrm>
           <a:prstGeom prst="rect">
             <a:avLst/>
@@ -2613,8 +2613,8 @@
         </p:nvSpPr>
         <p:spPr>
           <a:xfrm>
-            <a:off x="457200" y="1600200"/>
-            <a:ext cx="8229600" cy="4525963"/>
+            <a:off x="457200" y="1200151"/>
+            <a:ext cx="8229600" cy="3394472"/>
           </a:xfrm>
           <a:prstGeom prst="rect">
             <a:avLst/>
@@ -2675,8 +2675,8 @@
         </p:nvSpPr>
         <p:spPr>
           <a:xfrm>
-            <a:off x="457200" y="6356350"/>
-            <a:ext cx="2133600" cy="365125"/>
+            <a:off x="457200" y="4767263"/>
+            <a:ext cx="2133600" cy="273844"/>
           </a:xfrm>
           <a:prstGeom prst="rect">
             <a:avLst/>
@@ -2699,7 +2699,7 @@
             <a:fld id="{BDDCA875-27AB-4822-BF5D-A821197CD970}" type="datetimeFigureOut">
               <a:rPr lang="zh-TW" altLang="en-US" smtClean="0"/>
               <a:pPr/>
-              <a:t>2019/3/30</a:t>
+              <a:t>2019/10/12</a:t>
             </a:fld>
             <a:endParaRPr lang="zh-TW" altLang="en-US"/>
           </a:p>
@@ -2717,8 +2717,8 @@
         </p:nvSpPr>
         <p:spPr>
           <a:xfrm>
-            <a:off x="3124200" y="6356350"/>
-            <a:ext cx="2895600" cy="365125"/>
+            <a:off x="3124200" y="4767263"/>
+            <a:ext cx="2895600" cy="273844"/>
           </a:xfrm>
           <a:prstGeom prst="rect">
             <a:avLst/>
@@ -2754,8 +2754,8 @@
         </p:nvSpPr>
         <p:spPr>
           <a:xfrm>
-            <a:off x="6553200" y="6356350"/>
-            <a:ext cx="2133600" cy="365125"/>
+            <a:off x="6553200" y="4767263"/>
+            <a:ext cx="2133600" cy="273844"/>
           </a:xfrm>
           <a:prstGeom prst="rect">
             <a:avLst/>
@@ -3082,11 +3082,13 @@
         </p:nvSpPr>
         <p:spPr/>
         <p:txBody>
-          <a:bodyPr/>
-          <a:lstStyle/>
-          <a:p>
-            <a:r>
-              <a:rPr lang="zh-TW" altLang="en-US" b="1" dirty="0">
+          <a:bodyPr>
+            <a:normAutofit/>
+          </a:bodyPr>
+          <a:lstStyle/>
+          <a:p>
+            <a:r>
+              <a:rPr lang="zh-TW" altLang="en-US" sz="4000" b="1" dirty="0">
                 <a:solidFill>
                   <a:srgbClr val="660033"/>
                 </a:solidFill>
@@ -3111,7 +3113,7 @@
         <p:spPr/>
         <p:txBody>
           <a:bodyPr>
-            <a:normAutofit/>
+            <a:noAutofit/>
           </a:bodyPr>
           <a:lstStyle/>
           <a:p>
@@ -3119,7 +3121,7 @@
               <a:buNone/>
             </a:pPr>
             <a:r>
-              <a:rPr lang="zh-TW" altLang="en-US" sz="5400" b="1" dirty="0">
+              <a:rPr lang="zh-TW" altLang="en-US" sz="4800" b="1" dirty="0">
                 <a:solidFill>
                   <a:srgbClr val="660033"/>
                 </a:solidFill>
@@ -3129,7 +3131,7 @@
               <a:t>信是未曾</a:t>
             </a:r>
             <a:r>
-              <a:rPr lang="zh-TW" altLang="en-US" sz="5400" b="1" dirty="0" smtClean="0">
+              <a:rPr lang="zh-TW" altLang="en-US" sz="4800" b="1" dirty="0" smtClean="0">
                 <a:solidFill>
                   <a:srgbClr val="660033"/>
                 </a:solidFill>
@@ -3138,7 +3140,7 @@
               </a:rPr>
               <a:t>看見</a:t>
             </a:r>
-            <a:endParaRPr lang="en-US" altLang="zh-TW" sz="5400" b="1" dirty="0" smtClean="0">
+            <a:endParaRPr lang="en-US" altLang="zh-TW" sz="4800" b="1" dirty="0" smtClean="0">
               <a:solidFill>
                 <a:srgbClr val="660033"/>
               </a:solidFill>
@@ -3151,7 +3153,7 @@
               <a:buNone/>
             </a:pPr>
             <a:r>
-              <a:rPr lang="zh-TW" altLang="en-US" sz="5400" b="1" dirty="0" smtClean="0">
+              <a:rPr lang="zh-TW" altLang="en-US" sz="4800" b="1" dirty="0" smtClean="0">
                 <a:solidFill>
                   <a:srgbClr val="660033"/>
                 </a:solidFill>
@@ -3161,7 +3163,7 @@
               <a:t>依然</a:t>
             </a:r>
             <a:r>
-              <a:rPr lang="zh-TW" altLang="en-US" sz="5400" b="1" dirty="0">
+              <a:rPr lang="zh-TW" altLang="en-US" sz="4800" b="1" dirty="0">
                 <a:solidFill>
                   <a:srgbClr val="660033"/>
                 </a:solidFill>
@@ -3171,7 +3173,7 @@
               <a:t>仰望十</a:t>
             </a:r>
             <a:r>
-              <a:rPr lang="zh-TW" altLang="en-US" sz="5400" b="1" dirty="0" smtClean="0">
+              <a:rPr lang="zh-TW" altLang="en-US" sz="4800" b="1" dirty="0" smtClean="0">
                 <a:solidFill>
                   <a:srgbClr val="660033"/>
                 </a:solidFill>
@@ -3180,7 +3182,7 @@
               </a:rPr>
               <a:t>架</a:t>
             </a:r>
-            <a:endParaRPr lang="en-US" altLang="zh-TW" sz="5400" b="1" dirty="0">
+            <a:endParaRPr lang="en-US" altLang="zh-TW" sz="4800" b="1" dirty="0">
               <a:solidFill>
                 <a:srgbClr val="660033"/>
               </a:solidFill>
@@ -3193,7 +3195,7 @@
               <a:buNone/>
             </a:pPr>
             <a:r>
-              <a:rPr lang="zh-TW" altLang="en-US" sz="5400" b="1" dirty="0" smtClean="0">
+              <a:rPr lang="zh-TW" altLang="en-US" sz="4800" b="1" dirty="0" smtClean="0">
                 <a:solidFill>
                   <a:srgbClr val="660033"/>
                 </a:solidFill>
@@ -3203,7 +3205,7 @@
               <a:t>信</a:t>
             </a:r>
             <a:r>
-              <a:rPr lang="zh-TW" altLang="en-US" sz="5400" b="1" dirty="0">
+              <a:rPr lang="zh-TW" altLang="en-US" sz="4800" b="1" dirty="0">
                 <a:solidFill>
                   <a:srgbClr val="660033"/>
                 </a:solidFill>
@@ -3213,7 +3215,7 @@
               <a:t>是完全交</a:t>
             </a:r>
             <a:r>
-              <a:rPr lang="zh-TW" altLang="en-US" sz="5400" b="1" dirty="0" smtClean="0">
+              <a:rPr lang="zh-TW" altLang="en-US" sz="4800" b="1" dirty="0" smtClean="0">
                 <a:solidFill>
                   <a:srgbClr val="660033"/>
                 </a:solidFill>
@@ -3222,7 +3224,7 @@
               </a:rPr>
               <a:t>托</a:t>
             </a:r>
-            <a:endParaRPr lang="en-US" altLang="zh-TW" sz="5400" b="1" dirty="0" smtClean="0">
+            <a:endParaRPr lang="en-US" altLang="zh-TW" sz="4800" b="1" dirty="0" smtClean="0">
               <a:solidFill>
                 <a:srgbClr val="660033"/>
               </a:solidFill>
@@ -3235,7 +3237,7 @@
               <a:buNone/>
             </a:pPr>
             <a:r>
-              <a:rPr lang="zh-TW" altLang="en-US" sz="5400" b="1" dirty="0" smtClean="0">
+              <a:rPr lang="zh-TW" altLang="en-US" sz="4800" b="1" dirty="0" smtClean="0">
                 <a:solidFill>
                   <a:srgbClr val="660033"/>
                 </a:solidFill>
@@ -3245,7 +3247,7 @@
               <a:t>深知</a:t>
             </a:r>
             <a:r>
-              <a:rPr lang="zh-TW" altLang="en-US" sz="5400" b="1" dirty="0">
+              <a:rPr lang="zh-TW" altLang="en-US" sz="4800" b="1" dirty="0">
                 <a:solidFill>
                   <a:srgbClr val="660033"/>
                 </a:solidFill>
@@ -3255,7 +3257,7 @@
               <a:t>主已</a:t>
             </a:r>
             <a:r>
-              <a:rPr lang="zh-TW" altLang="en-US" sz="5400" b="1" dirty="0" smtClean="0">
+              <a:rPr lang="zh-TW" altLang="en-US" sz="4800" b="1" dirty="0" smtClean="0">
                 <a:solidFill>
                   <a:srgbClr val="660033"/>
                 </a:solidFill>
@@ -3264,7 +3266,7 @@
               </a:rPr>
               <a:t>掌權</a:t>
             </a:r>
-            <a:endParaRPr lang="zh-TW" altLang="en-US" sz="5400" b="1" dirty="0">
+            <a:endParaRPr lang="zh-TW" altLang="en-US" sz="4800" b="1" dirty="0">
               <a:solidFill>
                 <a:srgbClr val="660033"/>
               </a:solidFill>
@@ -3311,11 +3313,13 @@
         </p:nvSpPr>
         <p:spPr/>
         <p:txBody>
-          <a:bodyPr/>
-          <a:lstStyle/>
-          <a:p>
-            <a:r>
-              <a:rPr lang="zh-TW" altLang="en-US" b="1" dirty="0">
+          <a:bodyPr>
+            <a:normAutofit/>
+          </a:bodyPr>
+          <a:lstStyle/>
+          <a:p>
+            <a:r>
+              <a:rPr lang="zh-TW" altLang="en-US" sz="4000" b="1" dirty="0">
                 <a:solidFill>
                   <a:srgbClr val="660033"/>
                 </a:solidFill>
@@ -3340,7 +3344,7 @@
         <p:spPr/>
         <p:txBody>
           <a:bodyPr>
-            <a:normAutofit/>
+            <a:noAutofit/>
           </a:bodyPr>
           <a:lstStyle/>
           <a:p>
@@ -3348,23 +3352,21 @@
               <a:buNone/>
             </a:pPr>
             <a:r>
-              <a:rPr lang="zh-TW" altLang="en-US" sz="5400" b="1" dirty="0">
+              <a:rPr lang="zh-TW" altLang="en-US" sz="4800" b="1" dirty="0">
                 <a:solidFill>
                   <a:srgbClr val="660033"/>
                 </a:solidFill>
                 <a:latin typeface="微軟正黑體" pitchFamily="34" charset="-120"/>
                 <a:ea typeface="微軟正黑體" pitchFamily="34" charset="-120"/>
-                <a:cs typeface="+mj-cs"/>
               </a:rPr>
               <a:t>我靠著那加給我力量的</a:t>
             </a:r>
-            <a:endParaRPr lang="en-US" altLang="zh-TW" sz="5400" b="1" dirty="0">
+            <a:endParaRPr lang="en-US" altLang="zh-TW" sz="4800" b="1" dirty="0">
               <a:solidFill>
                 <a:srgbClr val="660033"/>
               </a:solidFill>
               <a:latin typeface="微軟正黑體" pitchFamily="34" charset="-120"/>
               <a:ea typeface="微軟正黑體" pitchFamily="34" charset="-120"/>
-              <a:cs typeface="+mj-cs"/>
             </a:endParaRPr>
           </a:p>
           <a:p>
@@ -3372,23 +3374,21 @@
               <a:buNone/>
             </a:pPr>
             <a:r>
-              <a:rPr lang="zh-TW" altLang="en-US" sz="5400" b="1" dirty="0">
+              <a:rPr lang="zh-TW" altLang="en-US" sz="4800" b="1" dirty="0">
                 <a:solidFill>
                   <a:srgbClr val="660033"/>
                 </a:solidFill>
                 <a:latin typeface="微軟正黑體" pitchFamily="34" charset="-120"/>
                 <a:ea typeface="微軟正黑體" pitchFamily="34" charset="-120"/>
-                <a:cs typeface="+mj-cs"/>
               </a:rPr>
               <a:t>凡事都能做</a:t>
             </a:r>
-            <a:endParaRPr lang="en-US" altLang="zh-TW" sz="5400" b="1" dirty="0">
+            <a:endParaRPr lang="en-US" altLang="zh-TW" sz="4800" b="1" dirty="0">
               <a:solidFill>
                 <a:srgbClr val="660033"/>
               </a:solidFill>
               <a:latin typeface="微軟正黑體" pitchFamily="34" charset="-120"/>
               <a:ea typeface="微軟正黑體" pitchFamily="34" charset="-120"/>
-              <a:cs typeface="+mj-cs"/>
             </a:endParaRPr>
           </a:p>
           <a:p>
@@ -3396,23 +3396,21 @@
               <a:buNone/>
             </a:pPr>
             <a:r>
-              <a:rPr lang="zh-TW" altLang="en-US" sz="5400" b="1" dirty="0">
+              <a:rPr lang="zh-TW" altLang="en-US" sz="4800" b="1" dirty="0">
                 <a:solidFill>
                   <a:srgbClr val="660033"/>
                 </a:solidFill>
                 <a:latin typeface="微軟正黑體" pitchFamily="34" charset="-120"/>
                 <a:ea typeface="微軟正黑體" pitchFamily="34" charset="-120"/>
-                <a:cs typeface="+mj-cs"/>
               </a:rPr>
               <a:t>或風浪或低谷</a:t>
             </a:r>
-            <a:endParaRPr lang="en-US" altLang="zh-TW" sz="5400" b="1" dirty="0">
+            <a:endParaRPr lang="en-US" altLang="zh-TW" sz="4800" b="1" dirty="0">
               <a:solidFill>
                 <a:srgbClr val="660033"/>
               </a:solidFill>
               <a:latin typeface="微軟正黑體" pitchFamily="34" charset="-120"/>
               <a:ea typeface="微軟正黑體" pitchFamily="34" charset="-120"/>
-              <a:cs typeface="+mj-cs"/>
             </a:endParaRPr>
           </a:p>
           <a:p>
@@ -3420,13 +3418,12 @@
               <a:buNone/>
             </a:pPr>
             <a:r>
-              <a:rPr lang="zh-TW" altLang="en-US" sz="5400" b="1" dirty="0">
+              <a:rPr lang="zh-TW" altLang="en-US" sz="4800" b="1" dirty="0">
                 <a:solidFill>
                   <a:srgbClr val="660033"/>
                 </a:solidFill>
                 <a:latin typeface="微軟正黑體" pitchFamily="34" charset="-120"/>
                 <a:ea typeface="微軟正黑體" pitchFamily="34" charset="-120"/>
-                <a:cs typeface="+mj-cs"/>
               </a:rPr>
               <a:t>主平安在我心</a:t>
             </a:r>
@@ -3470,11 +3467,13 @@
         </p:nvSpPr>
         <p:spPr/>
         <p:txBody>
-          <a:bodyPr/>
-          <a:lstStyle/>
-          <a:p>
-            <a:r>
-              <a:rPr lang="zh-TW" altLang="en-US" b="1" dirty="0">
+          <a:bodyPr>
+            <a:normAutofit/>
+          </a:bodyPr>
+          <a:lstStyle/>
+          <a:p>
+            <a:r>
+              <a:rPr lang="zh-TW" altLang="en-US" sz="4000" b="1" dirty="0">
                 <a:solidFill>
                   <a:srgbClr val="660033"/>
                 </a:solidFill>
@@ -3499,7 +3498,7 @@
         <p:spPr/>
         <p:txBody>
           <a:bodyPr>
-            <a:normAutofit/>
+            <a:noAutofit/>
           </a:bodyPr>
           <a:lstStyle/>
           <a:p>
@@ -3507,23 +3506,21 @@
               <a:buNone/>
             </a:pPr>
             <a:r>
-              <a:rPr lang="zh-TW" altLang="en-US" sz="5400" b="1" dirty="0">
+              <a:rPr lang="zh-TW" altLang="en-US" sz="4800" b="1" dirty="0">
                 <a:solidFill>
                   <a:srgbClr val="660033"/>
                 </a:solidFill>
                 <a:latin typeface="微軟正黑體" pitchFamily="34" charset="-120"/>
                 <a:ea typeface="微軟正黑體" pitchFamily="34" charset="-120"/>
-                <a:cs typeface="+mj-cs"/>
               </a:rPr>
               <a:t>我靠著那加給我力量的</a:t>
             </a:r>
-            <a:endParaRPr lang="en-US" altLang="zh-TW" sz="5400" b="1" dirty="0">
+            <a:endParaRPr lang="en-US" altLang="zh-TW" sz="4800" b="1" dirty="0">
               <a:solidFill>
                 <a:srgbClr val="660033"/>
               </a:solidFill>
               <a:latin typeface="微軟正黑體" pitchFamily="34" charset="-120"/>
               <a:ea typeface="微軟正黑體" pitchFamily="34" charset="-120"/>
-              <a:cs typeface="+mj-cs"/>
             </a:endParaRPr>
           </a:p>
           <a:p>
@@ -3531,23 +3528,21 @@
               <a:buNone/>
             </a:pPr>
             <a:r>
-              <a:rPr lang="zh-TW" altLang="en-US" sz="5400" b="1" dirty="0">
+              <a:rPr lang="zh-TW" altLang="en-US" sz="4800" b="1" dirty="0">
                 <a:solidFill>
                   <a:srgbClr val="660033"/>
                 </a:solidFill>
                 <a:latin typeface="微軟正黑體" pitchFamily="34" charset="-120"/>
                 <a:ea typeface="微軟正黑體" pitchFamily="34" charset="-120"/>
-                <a:cs typeface="+mj-cs"/>
               </a:rPr>
               <a:t>凡事都能做</a:t>
             </a:r>
-            <a:endParaRPr lang="en-US" altLang="zh-TW" sz="5400" b="1" dirty="0">
+            <a:endParaRPr lang="en-US" altLang="zh-TW" sz="4800" b="1" dirty="0">
               <a:solidFill>
                 <a:srgbClr val="660033"/>
               </a:solidFill>
               <a:latin typeface="微軟正黑體" pitchFamily="34" charset="-120"/>
               <a:ea typeface="微軟正黑體" pitchFamily="34" charset="-120"/>
-              <a:cs typeface="+mj-cs"/>
             </a:endParaRPr>
           </a:p>
           <a:p>
@@ -3555,23 +3550,21 @@
               <a:buNone/>
             </a:pPr>
             <a:r>
-              <a:rPr lang="zh-TW" altLang="en-US" sz="5400" b="1" dirty="0">
+              <a:rPr lang="zh-TW" altLang="en-US" sz="4800" b="1" dirty="0">
                 <a:solidFill>
                   <a:srgbClr val="660033"/>
                 </a:solidFill>
                 <a:latin typeface="微軟正黑體" pitchFamily="34" charset="-120"/>
                 <a:ea typeface="微軟正黑體" pitchFamily="34" charset="-120"/>
-                <a:cs typeface="+mj-cs"/>
               </a:rPr>
               <a:t>行在主的旨意</a:t>
             </a:r>
-            <a:endParaRPr lang="en-US" altLang="zh-TW" sz="5400" b="1" dirty="0">
+            <a:endParaRPr lang="en-US" altLang="zh-TW" sz="4800" b="1" dirty="0">
               <a:solidFill>
                 <a:srgbClr val="660033"/>
               </a:solidFill>
               <a:latin typeface="微軟正黑體" pitchFamily="34" charset="-120"/>
               <a:ea typeface="微軟正黑體" pitchFamily="34" charset="-120"/>
-              <a:cs typeface="+mj-cs"/>
             </a:endParaRPr>
           </a:p>
           <a:p>
@@ -3579,13 +3572,12 @@
               <a:buNone/>
             </a:pPr>
             <a:r>
-              <a:rPr lang="zh-TW" altLang="en-US" sz="5400" b="1" dirty="0">
+              <a:rPr lang="zh-TW" altLang="en-US" sz="4800" b="1" dirty="0">
                 <a:solidFill>
                   <a:srgbClr val="660033"/>
                 </a:solidFill>
                 <a:latin typeface="微軟正黑體" pitchFamily="34" charset="-120"/>
                 <a:ea typeface="微軟正黑體" pitchFamily="34" charset="-120"/>
-                <a:cs typeface="+mj-cs"/>
               </a:rPr>
               <a:t>我凡事都能做</a:t>
             </a:r>

--- a/凡事都能做.pptx
+++ b/凡事都能做.pptx
@@ -5,9 +5,12 @@
     <p:sldMasterId id="2147483660" r:id="rId1"/>
   </p:sldMasterIdLst>
   <p:sldIdLst>
-    <p:sldId id="257" r:id="rId2"/>
-    <p:sldId id="258" r:id="rId3"/>
-    <p:sldId id="259" r:id="rId4"/>
+    <p:sldId id="260" r:id="rId2"/>
+    <p:sldId id="261" r:id="rId3"/>
+    <p:sldId id="262" r:id="rId4"/>
+    <p:sldId id="263" r:id="rId5"/>
+    <p:sldId id="264" r:id="rId6"/>
+    <p:sldId id="265" r:id="rId7"/>
   </p:sldIdLst>
   <p:sldSz cx="9144000" cy="5143500" type="screen16x9"/>
   <p:notesSz cx="6858000" cy="9144000"/>
@@ -106,6 +109,22 @@
       </a:defRPr>
     </a:lvl9pPr>
   </p:defaultTextStyle>
+  <p:extLst>
+    <p:ext uri="{EFAFB233-063F-42B5-8137-9DF3F51BA10A}">
+      <p15:sldGuideLst xmlns:p15="http://schemas.microsoft.com/office/powerpoint/2012/main">
+        <p15:guide id="1" orient="horz" pos="1620">
+          <p15:clr>
+            <a:srgbClr val="A4A3A4"/>
+          </p15:clr>
+        </p15:guide>
+        <p15:guide id="2" pos="2880">
+          <p15:clr>
+            <a:srgbClr val="A4A3A4"/>
+          </p15:clr>
+        </p15:guide>
+      </p15:sldGuideLst>
+    </p:ext>
+  </p:extLst>
 </p:presentation>
 </file>
 
@@ -291,7 +310,7 @@
             <a:fld id="{BDDCA875-27AB-4822-BF5D-A821197CD970}" type="datetimeFigureOut">
               <a:rPr lang="zh-TW" altLang="en-US" smtClean="0"/>
               <a:pPr/>
-              <a:t>2019/10/12</a:t>
+              <a:t>2021/3/27</a:t>
             </a:fld>
             <a:endParaRPr lang="zh-TW" altLang="en-US"/>
           </a:p>
@@ -458,7 +477,7 @@
             <a:fld id="{BDDCA875-27AB-4822-BF5D-A821197CD970}" type="datetimeFigureOut">
               <a:rPr lang="zh-TW" altLang="en-US" smtClean="0"/>
               <a:pPr/>
-              <a:t>2019/10/12</a:t>
+              <a:t>2021/3/27</a:t>
             </a:fld>
             <a:endParaRPr lang="zh-TW" altLang="en-US"/>
           </a:p>
@@ -635,7 +654,7 @@
             <a:fld id="{BDDCA875-27AB-4822-BF5D-A821197CD970}" type="datetimeFigureOut">
               <a:rPr lang="zh-TW" altLang="en-US" smtClean="0"/>
               <a:pPr/>
-              <a:t>2019/10/12</a:t>
+              <a:t>2021/3/27</a:t>
             </a:fld>
             <a:endParaRPr lang="zh-TW" altLang="en-US"/>
           </a:p>
@@ -802,7 +821,7 @@
             <a:fld id="{BDDCA875-27AB-4822-BF5D-A821197CD970}" type="datetimeFigureOut">
               <a:rPr lang="zh-TW" altLang="en-US" smtClean="0"/>
               <a:pPr/>
-              <a:t>2019/10/12</a:t>
+              <a:t>2021/3/27</a:t>
             </a:fld>
             <a:endParaRPr lang="zh-TW" altLang="en-US"/>
           </a:p>
@@ -1045,7 +1064,7 @@
             <a:fld id="{BDDCA875-27AB-4822-BF5D-A821197CD970}" type="datetimeFigureOut">
               <a:rPr lang="zh-TW" altLang="en-US" smtClean="0"/>
               <a:pPr/>
-              <a:t>2019/10/12</a:t>
+              <a:t>2021/3/27</a:t>
             </a:fld>
             <a:endParaRPr lang="zh-TW" altLang="en-US"/>
           </a:p>
@@ -1330,7 +1349,7 @@
             <a:fld id="{BDDCA875-27AB-4822-BF5D-A821197CD970}" type="datetimeFigureOut">
               <a:rPr lang="zh-TW" altLang="en-US" smtClean="0"/>
               <a:pPr/>
-              <a:t>2019/10/12</a:t>
+              <a:t>2021/3/27</a:t>
             </a:fld>
             <a:endParaRPr lang="zh-TW" altLang="en-US"/>
           </a:p>
@@ -1749,7 +1768,7 @@
             <a:fld id="{BDDCA875-27AB-4822-BF5D-A821197CD970}" type="datetimeFigureOut">
               <a:rPr lang="zh-TW" altLang="en-US" smtClean="0"/>
               <a:pPr/>
-              <a:t>2019/10/12</a:t>
+              <a:t>2021/3/27</a:t>
             </a:fld>
             <a:endParaRPr lang="zh-TW" altLang="en-US"/>
           </a:p>
@@ -1864,7 +1883,7 @@
             <a:fld id="{BDDCA875-27AB-4822-BF5D-A821197CD970}" type="datetimeFigureOut">
               <a:rPr lang="zh-TW" altLang="en-US" smtClean="0"/>
               <a:pPr/>
-              <a:t>2019/10/12</a:t>
+              <a:t>2021/3/27</a:t>
             </a:fld>
             <a:endParaRPr lang="zh-TW" altLang="en-US"/>
           </a:p>
@@ -1956,7 +1975,7 @@
             <a:fld id="{BDDCA875-27AB-4822-BF5D-A821197CD970}" type="datetimeFigureOut">
               <a:rPr lang="zh-TW" altLang="en-US" smtClean="0"/>
               <a:pPr/>
-              <a:t>2019/10/12</a:t>
+              <a:t>2021/3/27</a:t>
             </a:fld>
             <a:endParaRPr lang="zh-TW" altLang="en-US"/>
           </a:p>
@@ -2230,7 +2249,7 @@
             <a:fld id="{BDDCA875-27AB-4822-BF5D-A821197CD970}" type="datetimeFigureOut">
               <a:rPr lang="zh-TW" altLang="en-US" smtClean="0"/>
               <a:pPr/>
-              <a:t>2019/10/12</a:t>
+              <a:t>2021/3/27</a:t>
             </a:fld>
             <a:endParaRPr lang="zh-TW" altLang="en-US"/>
           </a:p>
@@ -2484,7 +2503,7 @@
             <a:fld id="{BDDCA875-27AB-4822-BF5D-A821197CD970}" type="datetimeFigureOut">
               <a:rPr lang="zh-TW" altLang="en-US" smtClean="0"/>
               <a:pPr/>
-              <a:t>2019/10/12</a:t>
+              <a:t>2021/3/27</a:t>
             </a:fld>
             <a:endParaRPr lang="zh-TW" altLang="en-US"/>
           </a:p>
@@ -2699,7 +2718,7 @@
             <a:fld id="{BDDCA875-27AB-4822-BF5D-A821197CD970}" type="datetimeFigureOut">
               <a:rPr lang="zh-TW" altLang="en-US" smtClean="0"/>
               <a:pPr/>
-              <a:t>2019/10/12</a:t>
+              <a:t>2021/3/27</a:t>
             </a:fld>
             <a:endParaRPr lang="zh-TW" altLang="en-US"/>
           </a:p>
@@ -3072,7 +3091,7 @@
       </p:grpSpPr>
       <p:sp>
         <p:nvSpPr>
-          <p:cNvPr id="2" name="標題 1"/>
+          <p:cNvPr id="4" name="標題 3"/>
           <p:cNvSpPr>
             <a:spLocks noGrp="1"/>
           </p:cNvSpPr>
@@ -3080,203 +3099,61 @@
             <p:ph type="title"/>
           </p:nvPr>
         </p:nvSpPr>
-        <p:spPr/>
+        <p:spPr>
+          <a:xfrm>
+            <a:off x="0" y="2067694"/>
+            <a:ext cx="9144000" cy="857250"/>
+          </a:xfrm>
+        </p:spPr>
         <p:txBody>
           <a:bodyPr>
-            <a:normAutofit/>
+            <a:noAutofit/>
           </a:bodyPr>
           <a:lstStyle/>
           <a:p>
             <a:r>
-              <a:rPr lang="zh-TW" altLang="en-US" sz="4000" b="1" dirty="0">
+              <a:rPr lang="zh-TW" altLang="en-US" sz="5400" b="1" i="1" dirty="0" smtClean="0">
                 <a:solidFill>
-                  <a:srgbClr val="660033"/>
+                  <a:srgbClr val="000066"/>
                 </a:solidFill>
+                <a:effectLst>
+                  <a:outerShdw blurRad="38100" dist="38100" dir="2700000" algn="tl">
+                    <a:srgbClr val="000000">
+                      <a:alpha val="43137"/>
+                    </a:srgbClr>
+                  </a:outerShdw>
+                </a:effectLst>
                 <a:latin typeface="微軟正黑體" pitchFamily="34" charset="-120"/>
                 <a:ea typeface="微軟正黑體" pitchFamily="34" charset="-120"/>
               </a:rPr>
-              <a:t>凡事都能做</a:t>
-            </a:r>
-          </a:p>
-        </p:txBody>
-      </p:sp>
-      <p:sp>
-        <p:nvSpPr>
-          <p:cNvPr id="3" name="內容版面配置區 2"/>
-          <p:cNvSpPr>
-            <a:spLocks noGrp="1"/>
-          </p:cNvSpPr>
-          <p:nvPr>
-            <p:ph idx="1"/>
-          </p:nvPr>
-        </p:nvSpPr>
-        <p:spPr/>
-        <p:txBody>
-          <a:bodyPr>
-            <a:noAutofit/>
-          </a:bodyPr>
-          <a:lstStyle/>
-          <a:p>
-            <a:pPr algn="ctr">
-              <a:buNone/>
-            </a:pPr>
-            <a:r>
-              <a:rPr lang="zh-TW" altLang="en-US" sz="4800" b="1" dirty="0">
+              <a:t>凡</a:t>
+            </a:r>
+            <a:r>
+              <a:rPr lang="zh-TW" altLang="en-US" sz="5400" b="1" i="1" dirty="0">
                 <a:solidFill>
-                  <a:srgbClr val="660033"/>
+                  <a:srgbClr val="000066"/>
                 </a:solidFill>
+                <a:effectLst>
+                  <a:outerShdw blurRad="38100" dist="38100" dir="2700000" algn="tl">
+                    <a:srgbClr val="000000">
+                      <a:alpha val="43137"/>
+                    </a:srgbClr>
+                  </a:outerShdw>
+                </a:effectLst>
                 <a:latin typeface="微軟正黑體" pitchFamily="34" charset="-120"/>
                 <a:ea typeface="微軟正黑體" pitchFamily="34" charset="-120"/>
               </a:rPr>
-              <a:t>信是未曾</a:t>
-            </a:r>
-            <a:r>
-              <a:rPr lang="zh-TW" altLang="en-US" sz="4800" b="1" dirty="0" smtClean="0">
-                <a:solidFill>
-                  <a:srgbClr val="660033"/>
-                </a:solidFill>
-                <a:latin typeface="微軟正黑體" pitchFamily="34" charset="-120"/>
-                <a:ea typeface="微軟正黑體" pitchFamily="34" charset="-120"/>
-              </a:rPr>
-              <a:t>看見</a:t>
-            </a:r>
-            <a:endParaRPr lang="en-US" altLang="zh-TW" sz="4800" b="1" dirty="0" smtClean="0">
-              <a:solidFill>
-                <a:srgbClr val="660033"/>
-              </a:solidFill>
-              <a:latin typeface="微軟正黑體" pitchFamily="34" charset="-120"/>
-              <a:ea typeface="微軟正黑體" pitchFamily="34" charset="-120"/>
-            </a:endParaRPr>
-          </a:p>
-          <a:p>
-            <a:pPr algn="ctr">
-              <a:buNone/>
-            </a:pPr>
-            <a:r>
-              <a:rPr lang="zh-TW" altLang="en-US" sz="4800" b="1" dirty="0" smtClean="0">
-                <a:solidFill>
-                  <a:srgbClr val="660033"/>
-                </a:solidFill>
-                <a:latin typeface="微軟正黑體" pitchFamily="34" charset="-120"/>
-                <a:ea typeface="微軟正黑體" pitchFamily="34" charset="-120"/>
-              </a:rPr>
-              <a:t>依然</a:t>
-            </a:r>
-            <a:r>
-              <a:rPr lang="zh-TW" altLang="en-US" sz="4800" b="1" dirty="0">
-                <a:solidFill>
-                  <a:srgbClr val="660033"/>
-                </a:solidFill>
-                <a:latin typeface="微軟正黑體" pitchFamily="34" charset="-120"/>
-                <a:ea typeface="微軟正黑體" pitchFamily="34" charset="-120"/>
-              </a:rPr>
-              <a:t>仰望十</a:t>
-            </a:r>
-            <a:r>
-              <a:rPr lang="zh-TW" altLang="en-US" sz="4800" b="1" dirty="0" smtClean="0">
-                <a:solidFill>
-                  <a:srgbClr val="660033"/>
-                </a:solidFill>
-                <a:latin typeface="微軟正黑體" pitchFamily="34" charset="-120"/>
-                <a:ea typeface="微軟正黑體" pitchFamily="34" charset="-120"/>
-              </a:rPr>
-              <a:t>架</a:t>
-            </a:r>
-            <a:endParaRPr lang="en-US" altLang="zh-TW" sz="4800" b="1" dirty="0">
-              <a:solidFill>
-                <a:srgbClr val="660033"/>
-              </a:solidFill>
-              <a:latin typeface="微軟正黑體" pitchFamily="34" charset="-120"/>
-              <a:ea typeface="微軟正黑體" pitchFamily="34" charset="-120"/>
-            </a:endParaRPr>
-          </a:p>
-          <a:p>
-            <a:pPr algn="ctr">
-              <a:buNone/>
-            </a:pPr>
-            <a:r>
-              <a:rPr lang="zh-TW" altLang="en-US" sz="4800" b="1" dirty="0" smtClean="0">
-                <a:solidFill>
-                  <a:srgbClr val="660033"/>
-                </a:solidFill>
-                <a:latin typeface="微軟正黑體" pitchFamily="34" charset="-120"/>
-                <a:ea typeface="微軟正黑體" pitchFamily="34" charset="-120"/>
-              </a:rPr>
-              <a:t>信</a:t>
-            </a:r>
-            <a:r>
-              <a:rPr lang="zh-TW" altLang="en-US" sz="4800" b="1" dirty="0">
-                <a:solidFill>
-                  <a:srgbClr val="660033"/>
-                </a:solidFill>
-                <a:latin typeface="微軟正黑體" pitchFamily="34" charset="-120"/>
-                <a:ea typeface="微軟正黑體" pitchFamily="34" charset="-120"/>
-              </a:rPr>
-              <a:t>是完全交</a:t>
-            </a:r>
-            <a:r>
-              <a:rPr lang="zh-TW" altLang="en-US" sz="4800" b="1" dirty="0" smtClean="0">
-                <a:solidFill>
-                  <a:srgbClr val="660033"/>
-                </a:solidFill>
-                <a:latin typeface="微軟正黑體" pitchFamily="34" charset="-120"/>
-                <a:ea typeface="微軟正黑體" pitchFamily="34" charset="-120"/>
-              </a:rPr>
-              <a:t>托</a:t>
-            </a:r>
-            <a:endParaRPr lang="en-US" altLang="zh-TW" sz="4800" b="1" dirty="0" smtClean="0">
-              <a:solidFill>
-                <a:srgbClr val="660033"/>
-              </a:solidFill>
-              <a:latin typeface="微軟正黑體" pitchFamily="34" charset="-120"/>
-              <a:ea typeface="微軟正黑體" pitchFamily="34" charset="-120"/>
-            </a:endParaRPr>
-          </a:p>
-          <a:p>
-            <a:pPr algn="ctr">
-              <a:buNone/>
-            </a:pPr>
-            <a:r>
-              <a:rPr lang="zh-TW" altLang="en-US" sz="4800" b="1" dirty="0" smtClean="0">
-                <a:solidFill>
-                  <a:srgbClr val="660033"/>
-                </a:solidFill>
-                <a:latin typeface="微軟正黑體" pitchFamily="34" charset="-120"/>
-                <a:ea typeface="微軟正黑體" pitchFamily="34" charset="-120"/>
-              </a:rPr>
-              <a:t>深知</a:t>
-            </a:r>
-            <a:r>
-              <a:rPr lang="zh-TW" altLang="en-US" sz="4800" b="1" dirty="0">
-                <a:solidFill>
-                  <a:srgbClr val="660033"/>
-                </a:solidFill>
-                <a:latin typeface="微軟正黑體" pitchFamily="34" charset="-120"/>
-                <a:ea typeface="微軟正黑體" pitchFamily="34" charset="-120"/>
-              </a:rPr>
-              <a:t>主已</a:t>
-            </a:r>
-            <a:r>
-              <a:rPr lang="zh-TW" altLang="en-US" sz="4800" b="1" dirty="0" smtClean="0">
-                <a:solidFill>
-                  <a:srgbClr val="660033"/>
-                </a:solidFill>
-                <a:latin typeface="微軟正黑體" pitchFamily="34" charset="-120"/>
-                <a:ea typeface="微軟正黑體" pitchFamily="34" charset="-120"/>
-              </a:rPr>
-              <a:t>掌權</a:t>
-            </a:r>
-            <a:endParaRPr lang="zh-TW" altLang="en-US" sz="4800" b="1" dirty="0">
-              <a:solidFill>
-                <a:srgbClr val="660033"/>
-              </a:solidFill>
-              <a:latin typeface="微軟正黑體" pitchFamily="34" charset="-120"/>
-              <a:ea typeface="微軟正黑體" pitchFamily="34" charset="-120"/>
-            </a:endParaRPr>
+              <a:t>事都能做</a:t>
+            </a:r>
           </a:p>
         </p:txBody>
       </p:sp>
     </p:spTree>
+    <p:extLst>
+      <p:ext uri="{BB962C8B-B14F-4D97-AF65-F5344CB8AC3E}">
+        <p14:creationId xmlns:p14="http://schemas.microsoft.com/office/powerpoint/2010/main" val="4126205775"/>
+      </p:ext>
+    </p:extLst>
   </p:cSld>
   <p:clrMapOvr>
     <a:masterClrMapping/>
@@ -3303,67 +3180,82 @@
       </p:grpSpPr>
       <p:sp>
         <p:nvSpPr>
-          <p:cNvPr id="2" name="標題 1"/>
-          <p:cNvSpPr>
-            <a:spLocks noGrp="1"/>
-          </p:cNvSpPr>
-          <p:nvPr>
-            <p:ph type="title"/>
-          </p:nvPr>
-        </p:nvSpPr>
-        <p:spPr/>
-        <p:txBody>
-          <a:bodyPr>
+          <p:cNvPr id="5" name="內容版面配置區 4"/>
+          <p:cNvSpPr>
+            <a:spLocks noGrp="1"/>
+          </p:cNvSpPr>
+          <p:nvPr>
+            <p:ph idx="1"/>
+          </p:nvPr>
+        </p:nvSpPr>
+        <p:spPr>
+          <a:xfrm>
+            <a:off x="0" y="1563638"/>
+            <a:ext cx="9144000" cy="1803647"/>
+          </a:xfrm>
+        </p:spPr>
+        <p:txBody>
+          <a:bodyPr anchor="ctr">
             <a:normAutofit/>
           </a:bodyPr>
           <a:lstStyle/>
           <a:p>
-            <a:r>
-              <a:rPr lang="zh-TW" altLang="en-US" sz="4000" b="1" dirty="0">
+            <a:pPr algn="ctr">
+              <a:buNone/>
+            </a:pPr>
+            <a:r>
+              <a:rPr lang="zh-TW" altLang="en-US" sz="4800" b="1" dirty="0">
                 <a:solidFill>
-                  <a:srgbClr val="660033"/>
+                  <a:srgbClr val="000066"/>
                 </a:solidFill>
                 <a:latin typeface="微軟正黑體" pitchFamily="34" charset="-120"/>
                 <a:ea typeface="微軟正黑體" pitchFamily="34" charset="-120"/>
               </a:rPr>
-              <a:t>凡事都能做</a:t>
-            </a:r>
-          </a:p>
-        </p:txBody>
-      </p:sp>
-      <p:sp>
-        <p:nvSpPr>
-          <p:cNvPr id="3" name="內容版面配置區 2"/>
-          <p:cNvSpPr>
-            <a:spLocks noGrp="1"/>
-          </p:cNvSpPr>
-          <p:nvPr>
-            <p:ph idx="1"/>
-          </p:nvPr>
-        </p:nvSpPr>
-        <p:spPr/>
-        <p:txBody>
-          <a:bodyPr>
-            <a:noAutofit/>
-          </a:bodyPr>
-          <a:lstStyle/>
-          <a:p>
-            <a:pPr algn="ctr">
-              <a:buNone/>
-            </a:pPr>
-            <a:r>
-              <a:rPr lang="zh-TW" altLang="en-US" sz="4800" b="1" dirty="0">
+              <a:t>信是未曾看</a:t>
+            </a:r>
+            <a:r>
+              <a:rPr lang="zh-TW" altLang="en-US" sz="4800" b="1" dirty="0" smtClean="0">
                 <a:solidFill>
-                  <a:srgbClr val="660033"/>
+                  <a:srgbClr val="000066"/>
                 </a:solidFill>
                 <a:latin typeface="微軟正黑體" pitchFamily="34" charset="-120"/>
                 <a:ea typeface="微軟正黑體" pitchFamily="34" charset="-120"/>
               </a:rPr>
-              <a:t>我靠著那加給我力量的</a:t>
+              <a:t>見</a:t>
+            </a:r>
+            <a:r>
+              <a:rPr lang="en-US" altLang="zh-TW" sz="4800" b="1" dirty="0" smtClean="0">
+                <a:solidFill>
+                  <a:srgbClr val="000066"/>
+                </a:solidFill>
+                <a:latin typeface="微軟正黑體" pitchFamily="34" charset="-120"/>
+                <a:ea typeface="微軟正黑體" pitchFamily="34" charset="-120"/>
+              </a:rPr>
+              <a:t>  </a:t>
+            </a:r>
+            <a:r>
+              <a:rPr lang="zh-TW" altLang="en-US" sz="4800" b="1" dirty="0" smtClean="0">
+                <a:solidFill>
+                  <a:srgbClr val="000066"/>
+                </a:solidFill>
+                <a:latin typeface="微軟正黑體" pitchFamily="34" charset="-120"/>
+                <a:ea typeface="微軟正黑體" pitchFamily="34" charset="-120"/>
+              </a:rPr>
+              <a:t>依</a:t>
+            </a:r>
+            <a:r>
+              <a:rPr lang="zh-TW" altLang="en-US" sz="4800" b="1" dirty="0">
+                <a:solidFill>
+                  <a:srgbClr val="000066"/>
+                </a:solidFill>
+                <a:latin typeface="微軟正黑體" pitchFamily="34" charset="-120"/>
+                <a:ea typeface="微軟正黑體" pitchFamily="34" charset="-120"/>
+              </a:rPr>
+              <a:t>然仰望十架</a:t>
             </a:r>
             <a:endParaRPr lang="en-US" altLang="zh-TW" sz="4800" b="1" dirty="0">
               <a:solidFill>
-                <a:srgbClr val="660033"/>
+                <a:srgbClr val="000066"/>
               </a:solidFill>
               <a:latin typeface="微軟正黑體" pitchFamily="34" charset="-120"/>
               <a:ea typeface="微軟正黑體" pitchFamily="34" charset="-120"/>
@@ -3376,61 +3268,69 @@
             <a:r>
               <a:rPr lang="zh-TW" altLang="en-US" sz="4800" b="1" dirty="0">
                 <a:solidFill>
-                  <a:srgbClr val="660033"/>
+                  <a:srgbClr val="000066"/>
                 </a:solidFill>
                 <a:latin typeface="微軟正黑體" pitchFamily="34" charset="-120"/>
                 <a:ea typeface="微軟正黑體" pitchFamily="34" charset="-120"/>
               </a:rPr>
-              <a:t>凡事都能做</a:t>
-            </a:r>
-            <a:endParaRPr lang="en-US" altLang="zh-TW" sz="4800" b="1" dirty="0">
+              <a:t>信是完全交</a:t>
+            </a:r>
+            <a:r>
+              <a:rPr lang="zh-TW" altLang="en-US" sz="4800" b="1" dirty="0" smtClean="0">
+                <a:solidFill>
+                  <a:srgbClr val="000066"/>
+                </a:solidFill>
+                <a:latin typeface="微軟正黑體" pitchFamily="34" charset="-120"/>
+                <a:ea typeface="微軟正黑體" pitchFamily="34" charset="-120"/>
+              </a:rPr>
+              <a:t>托</a:t>
+            </a:r>
+            <a:r>
+              <a:rPr lang="en-US" altLang="zh-TW" sz="4800" b="1" dirty="0" smtClean="0">
+                <a:solidFill>
+                  <a:srgbClr val="000066"/>
+                </a:solidFill>
+                <a:latin typeface="微軟正黑體" pitchFamily="34" charset="-120"/>
+                <a:ea typeface="微軟正黑體" pitchFamily="34" charset="-120"/>
+              </a:rPr>
+              <a:t>  </a:t>
+            </a:r>
+            <a:r>
+              <a:rPr lang="zh-TW" altLang="en-US" sz="4800" b="1" dirty="0" smtClean="0">
+                <a:solidFill>
+                  <a:srgbClr val="000066"/>
+                </a:solidFill>
+                <a:latin typeface="微軟正黑體" pitchFamily="34" charset="-120"/>
+                <a:ea typeface="微軟正黑體" pitchFamily="34" charset="-120"/>
+              </a:rPr>
+              <a:t>深</a:t>
+            </a:r>
+            <a:r>
+              <a:rPr lang="zh-TW" altLang="en-US" sz="4800" b="1" dirty="0">
+                <a:solidFill>
+                  <a:srgbClr val="000066"/>
+                </a:solidFill>
+                <a:latin typeface="微軟正黑體" pitchFamily="34" charset="-120"/>
+                <a:ea typeface="微軟正黑體" pitchFamily="34" charset="-120"/>
+              </a:rPr>
+              <a:t>知主已掌權</a:t>
+            </a:r>
+            <a:endParaRPr lang="zh-TW" altLang="en-US" sz="4800" b="1" dirty="0">
               <a:solidFill>
-                <a:srgbClr val="660033"/>
+                <a:srgbClr val="000066"/>
               </a:solidFill>
               <a:latin typeface="微軟正黑體" pitchFamily="34" charset="-120"/>
               <a:ea typeface="微軟正黑體" pitchFamily="34" charset="-120"/>
             </a:endParaRPr>
           </a:p>
-          <a:p>
-            <a:pPr algn="ctr">
-              <a:buNone/>
-            </a:pPr>
-            <a:r>
-              <a:rPr lang="zh-TW" altLang="en-US" sz="4800" b="1" dirty="0">
-                <a:solidFill>
-                  <a:srgbClr val="660033"/>
-                </a:solidFill>
-                <a:latin typeface="微軟正黑體" pitchFamily="34" charset="-120"/>
-                <a:ea typeface="微軟正黑體" pitchFamily="34" charset="-120"/>
-              </a:rPr>
-              <a:t>或風浪或低谷</a:t>
-            </a:r>
-            <a:endParaRPr lang="en-US" altLang="zh-TW" sz="4800" b="1" dirty="0">
-              <a:solidFill>
-                <a:srgbClr val="660033"/>
-              </a:solidFill>
-              <a:latin typeface="微軟正黑體" pitchFamily="34" charset="-120"/>
-              <a:ea typeface="微軟正黑體" pitchFamily="34" charset="-120"/>
-            </a:endParaRPr>
-          </a:p>
-          <a:p>
-            <a:pPr algn="ctr">
-              <a:buNone/>
-            </a:pPr>
-            <a:r>
-              <a:rPr lang="zh-TW" altLang="en-US" sz="4800" b="1" dirty="0">
-                <a:solidFill>
-                  <a:srgbClr val="660033"/>
-                </a:solidFill>
-                <a:latin typeface="微軟正黑體" pitchFamily="34" charset="-120"/>
-                <a:ea typeface="微軟正黑體" pitchFamily="34" charset="-120"/>
-              </a:rPr>
-              <a:t>主平安在我心</a:t>
-            </a:r>
-          </a:p>
         </p:txBody>
       </p:sp>
     </p:spTree>
+    <p:extLst>
+      <p:ext uri="{BB962C8B-B14F-4D97-AF65-F5344CB8AC3E}">
+        <p14:creationId xmlns:p14="http://schemas.microsoft.com/office/powerpoint/2010/main" val="2166690349"/>
+      </p:ext>
+    </p:extLst>
   </p:cSld>
   <p:clrMapOvr>
     <a:masterClrMapping/>
@@ -3457,37 +3357,104 @@
       </p:grpSpPr>
       <p:sp>
         <p:nvSpPr>
-          <p:cNvPr id="2" name="標題 1"/>
-          <p:cNvSpPr>
-            <a:spLocks noGrp="1"/>
-          </p:cNvSpPr>
-          <p:nvPr>
-            <p:ph type="title"/>
-          </p:nvPr>
-        </p:nvSpPr>
-        <p:spPr/>
-        <p:txBody>
-          <a:bodyPr>
+          <p:cNvPr id="5" name="內容版面配置區 4"/>
+          <p:cNvSpPr>
+            <a:spLocks noGrp="1"/>
+          </p:cNvSpPr>
+          <p:nvPr>
+            <p:ph idx="1"/>
+          </p:nvPr>
+        </p:nvSpPr>
+        <p:spPr>
+          <a:xfrm>
+            <a:off x="0" y="1563638"/>
+            <a:ext cx="9144000" cy="1803647"/>
+          </a:xfrm>
+        </p:spPr>
+        <p:txBody>
+          <a:bodyPr anchor="ctr">
             <a:normAutofit/>
           </a:bodyPr>
           <a:lstStyle/>
           <a:p>
-            <a:r>
-              <a:rPr lang="zh-TW" altLang="en-US" sz="4000" b="1" dirty="0">
+            <a:pPr algn="ctr">
+              <a:buNone/>
+            </a:pPr>
+            <a:r>
+              <a:rPr lang="zh-TW" altLang="en-US" sz="4800" b="1" dirty="0">
                 <a:solidFill>
-                  <a:srgbClr val="660033"/>
+                  <a:srgbClr val="000066"/>
+                </a:solidFill>
+                <a:latin typeface="微軟正黑體" pitchFamily="34" charset="-120"/>
+                <a:ea typeface="微軟正黑體" pitchFamily="34" charset="-120"/>
+              </a:rPr>
+              <a:t>我靠著那加給我力量的</a:t>
+            </a:r>
+            <a:endParaRPr lang="en-US" altLang="zh-TW" sz="4800" b="1" dirty="0">
+              <a:solidFill>
+                <a:srgbClr val="000066"/>
+              </a:solidFill>
+              <a:latin typeface="微軟正黑體" pitchFamily="34" charset="-120"/>
+              <a:ea typeface="微軟正黑體" pitchFamily="34" charset="-120"/>
+            </a:endParaRPr>
+          </a:p>
+          <a:p>
+            <a:pPr algn="ctr">
+              <a:buNone/>
+            </a:pPr>
+            <a:r>
+              <a:rPr lang="zh-TW" altLang="en-US" sz="4800" b="1" dirty="0">
+                <a:solidFill>
+                  <a:srgbClr val="000066"/>
                 </a:solidFill>
                 <a:latin typeface="微軟正黑體" pitchFamily="34" charset="-120"/>
                 <a:ea typeface="微軟正黑體" pitchFamily="34" charset="-120"/>
               </a:rPr>
               <a:t>凡事都能做</a:t>
             </a:r>
-          </a:p>
-        </p:txBody>
-      </p:sp>
-      <p:sp>
-        <p:nvSpPr>
-          <p:cNvPr id="3" name="內容版面配置區 2"/>
+            <a:endParaRPr lang="en-US" altLang="zh-TW" sz="4800" b="1" dirty="0">
+              <a:solidFill>
+                <a:srgbClr val="000066"/>
+              </a:solidFill>
+              <a:latin typeface="微軟正黑體" pitchFamily="34" charset="-120"/>
+              <a:ea typeface="微軟正黑體" pitchFamily="34" charset="-120"/>
+            </a:endParaRPr>
+          </a:p>
+        </p:txBody>
+      </p:sp>
+    </p:spTree>
+    <p:extLst>
+      <p:ext uri="{BB962C8B-B14F-4D97-AF65-F5344CB8AC3E}">
+        <p14:creationId xmlns:p14="http://schemas.microsoft.com/office/powerpoint/2010/main" val="2522343800"/>
+      </p:ext>
+    </p:extLst>
+  </p:cSld>
+  <p:clrMapOvr>
+    <a:masterClrMapping/>
+  </p:clrMapOvr>
+</p:sld>
+</file>
+
+<file path=ppt/slides/slide4.xml><?xml version="1.0" encoding="utf-8"?>
+<p:sld xmlns:a="http://schemas.openxmlformats.org/drawingml/2006/main" xmlns:r="http://schemas.openxmlformats.org/officeDocument/2006/relationships" xmlns:p="http://schemas.openxmlformats.org/presentationml/2006/main">
+  <p:cSld>
+    <p:spTree>
+      <p:nvGrpSpPr>
+        <p:cNvPr id="1" name=""/>
+        <p:cNvGrpSpPr/>
+        <p:nvPr/>
+      </p:nvGrpSpPr>
+      <p:grpSpPr>
+        <a:xfrm>
+          <a:off x="0" y="0"/>
+          <a:ext cx="0" cy="0"/>
+          <a:chOff x="0" y="0"/>
+          <a:chExt cx="0" cy="0"/>
+        </a:xfrm>
+      </p:grpSpPr>
+      <p:sp>
+        <p:nvSpPr>
+          <p:cNvPr id="5" name="內容版面配置區 4"/>
           <p:cNvSpPr>
             <a:spLocks noGrp="1"/>
           </p:cNvSpPr>
@@ -3495,10 +3462,15 @@
             <p:ph idx="1"/>
           </p:nvPr>
         </p:nvSpPr>
-        <p:spPr/>
-        <p:txBody>
-          <a:bodyPr>
-            <a:noAutofit/>
+        <p:spPr>
+          <a:xfrm>
+            <a:off x="0" y="1563638"/>
+            <a:ext cx="9144000" cy="1803647"/>
+          </a:xfrm>
+        </p:spPr>
+        <p:txBody>
+          <a:bodyPr anchor="ctr">
+            <a:normAutofit/>
           </a:bodyPr>
           <a:lstStyle/>
           <a:p>
@@ -3508,7 +3480,104 @@
             <a:r>
               <a:rPr lang="zh-TW" altLang="en-US" sz="4800" b="1" dirty="0">
                 <a:solidFill>
-                  <a:srgbClr val="660033"/>
+                  <a:srgbClr val="000066"/>
+                </a:solidFill>
+                <a:latin typeface="微軟正黑體" pitchFamily="34" charset="-120"/>
+                <a:ea typeface="微軟正黑體" pitchFamily="34" charset="-120"/>
+              </a:rPr>
+              <a:t>或風浪或低谷</a:t>
+            </a:r>
+            <a:endParaRPr lang="en-US" altLang="zh-TW" sz="4800" b="1" dirty="0">
+              <a:solidFill>
+                <a:srgbClr val="000066"/>
+              </a:solidFill>
+              <a:latin typeface="微軟正黑體" pitchFamily="34" charset="-120"/>
+              <a:ea typeface="微軟正黑體" pitchFamily="34" charset="-120"/>
+            </a:endParaRPr>
+          </a:p>
+          <a:p>
+            <a:pPr algn="ctr">
+              <a:buNone/>
+            </a:pPr>
+            <a:r>
+              <a:rPr lang="zh-TW" altLang="en-US" sz="4800" b="1" dirty="0">
+                <a:solidFill>
+                  <a:srgbClr val="000066"/>
+                </a:solidFill>
+                <a:latin typeface="微軟正黑體" pitchFamily="34" charset="-120"/>
+                <a:ea typeface="微軟正黑體" pitchFamily="34" charset="-120"/>
+              </a:rPr>
+              <a:t>主平安在我心</a:t>
+            </a:r>
+            <a:endParaRPr lang="zh-TW" altLang="en-US" sz="4800" b="1" dirty="0">
+              <a:solidFill>
+                <a:srgbClr val="000066"/>
+              </a:solidFill>
+              <a:latin typeface="微軟正黑體" pitchFamily="34" charset="-120"/>
+              <a:ea typeface="微軟正黑體" pitchFamily="34" charset="-120"/>
+            </a:endParaRPr>
+          </a:p>
+        </p:txBody>
+      </p:sp>
+    </p:spTree>
+    <p:extLst>
+      <p:ext uri="{BB962C8B-B14F-4D97-AF65-F5344CB8AC3E}">
+        <p14:creationId xmlns:p14="http://schemas.microsoft.com/office/powerpoint/2010/main" val="627050048"/>
+      </p:ext>
+    </p:extLst>
+  </p:cSld>
+  <p:clrMapOvr>
+    <a:masterClrMapping/>
+  </p:clrMapOvr>
+</p:sld>
+</file>
+
+<file path=ppt/slides/slide5.xml><?xml version="1.0" encoding="utf-8"?>
+<p:sld xmlns:a="http://schemas.openxmlformats.org/drawingml/2006/main" xmlns:r="http://schemas.openxmlformats.org/officeDocument/2006/relationships" xmlns:p="http://schemas.openxmlformats.org/presentationml/2006/main">
+  <p:cSld>
+    <p:spTree>
+      <p:nvGrpSpPr>
+        <p:cNvPr id="1" name=""/>
+        <p:cNvGrpSpPr/>
+        <p:nvPr/>
+      </p:nvGrpSpPr>
+      <p:grpSpPr>
+        <a:xfrm>
+          <a:off x="0" y="0"/>
+          <a:ext cx="0" cy="0"/>
+          <a:chOff x="0" y="0"/>
+          <a:chExt cx="0" cy="0"/>
+        </a:xfrm>
+      </p:grpSpPr>
+      <p:sp>
+        <p:nvSpPr>
+          <p:cNvPr id="5" name="內容版面配置區 4"/>
+          <p:cNvSpPr>
+            <a:spLocks noGrp="1"/>
+          </p:cNvSpPr>
+          <p:nvPr>
+            <p:ph idx="1"/>
+          </p:nvPr>
+        </p:nvSpPr>
+        <p:spPr>
+          <a:xfrm>
+            <a:off x="0" y="1563638"/>
+            <a:ext cx="9144000" cy="1803647"/>
+          </a:xfrm>
+        </p:spPr>
+        <p:txBody>
+          <a:bodyPr anchor="ctr">
+            <a:normAutofit/>
+          </a:bodyPr>
+          <a:lstStyle/>
+          <a:p>
+            <a:pPr algn="ctr">
+              <a:buNone/>
+            </a:pPr>
+            <a:r>
+              <a:rPr lang="zh-TW" altLang="en-US" sz="4800" b="1" dirty="0">
+                <a:solidFill>
+                  <a:srgbClr val="000066"/>
                 </a:solidFill>
                 <a:latin typeface="微軟正黑體" pitchFamily="34" charset="-120"/>
                 <a:ea typeface="微軟正黑體" pitchFamily="34" charset="-120"/>
@@ -3517,7 +3586,7 @@
             </a:r>
             <a:endParaRPr lang="en-US" altLang="zh-TW" sz="4800" b="1" dirty="0">
               <a:solidFill>
-                <a:srgbClr val="660033"/>
+                <a:srgbClr val="000066"/>
               </a:solidFill>
               <a:latin typeface="微軟正黑體" pitchFamily="34" charset="-120"/>
               <a:ea typeface="微軟正黑體" pitchFamily="34" charset="-120"/>
@@ -3530,7 +3599,7 @@
             <a:r>
               <a:rPr lang="zh-TW" altLang="en-US" sz="4800" b="1" dirty="0">
                 <a:solidFill>
-                  <a:srgbClr val="660033"/>
+                  <a:srgbClr val="000066"/>
                 </a:solidFill>
                 <a:latin typeface="微軟正黑體" pitchFamily="34" charset="-120"/>
                 <a:ea typeface="微軟正黑體" pitchFamily="34" charset="-120"/>
@@ -3539,12 +3608,65 @@
             </a:r>
             <a:endParaRPr lang="en-US" altLang="zh-TW" sz="4800" b="1" dirty="0">
               <a:solidFill>
-                <a:srgbClr val="660033"/>
+                <a:srgbClr val="000066"/>
               </a:solidFill>
               <a:latin typeface="微軟正黑體" pitchFamily="34" charset="-120"/>
               <a:ea typeface="微軟正黑體" pitchFamily="34" charset="-120"/>
             </a:endParaRPr>
           </a:p>
+        </p:txBody>
+      </p:sp>
+    </p:spTree>
+    <p:extLst>
+      <p:ext uri="{BB962C8B-B14F-4D97-AF65-F5344CB8AC3E}">
+        <p14:creationId xmlns:p14="http://schemas.microsoft.com/office/powerpoint/2010/main" val="155490641"/>
+      </p:ext>
+    </p:extLst>
+  </p:cSld>
+  <p:clrMapOvr>
+    <a:masterClrMapping/>
+  </p:clrMapOvr>
+</p:sld>
+</file>
+
+<file path=ppt/slides/slide6.xml><?xml version="1.0" encoding="utf-8"?>
+<p:sld xmlns:a="http://schemas.openxmlformats.org/drawingml/2006/main" xmlns:r="http://schemas.openxmlformats.org/officeDocument/2006/relationships" xmlns:p="http://schemas.openxmlformats.org/presentationml/2006/main">
+  <p:cSld>
+    <p:spTree>
+      <p:nvGrpSpPr>
+        <p:cNvPr id="1" name=""/>
+        <p:cNvGrpSpPr/>
+        <p:nvPr/>
+      </p:nvGrpSpPr>
+      <p:grpSpPr>
+        <a:xfrm>
+          <a:off x="0" y="0"/>
+          <a:ext cx="0" cy="0"/>
+          <a:chOff x="0" y="0"/>
+          <a:chExt cx="0" cy="0"/>
+        </a:xfrm>
+      </p:grpSpPr>
+      <p:sp>
+        <p:nvSpPr>
+          <p:cNvPr id="5" name="內容版面配置區 4"/>
+          <p:cNvSpPr>
+            <a:spLocks noGrp="1"/>
+          </p:cNvSpPr>
+          <p:nvPr>
+            <p:ph idx="1"/>
+          </p:nvPr>
+        </p:nvSpPr>
+        <p:spPr>
+          <a:xfrm>
+            <a:off x="0" y="1563638"/>
+            <a:ext cx="9144000" cy="1803647"/>
+          </a:xfrm>
+        </p:spPr>
+        <p:txBody>
+          <a:bodyPr anchor="ctr">
+            <a:normAutofit/>
+          </a:bodyPr>
+          <a:lstStyle/>
           <a:p>
             <a:pPr algn="ctr">
               <a:buNone/>
@@ -3552,7 +3674,7 @@
             <a:r>
               <a:rPr lang="zh-TW" altLang="en-US" sz="4800" b="1" dirty="0">
                 <a:solidFill>
-                  <a:srgbClr val="660033"/>
+                  <a:srgbClr val="000066"/>
                 </a:solidFill>
                 <a:latin typeface="微軟正黑體" pitchFamily="34" charset="-120"/>
                 <a:ea typeface="微軟正黑體" pitchFamily="34" charset="-120"/>
@@ -3561,7 +3683,7 @@
             </a:r>
             <a:endParaRPr lang="en-US" altLang="zh-TW" sz="4800" b="1" dirty="0">
               <a:solidFill>
-                <a:srgbClr val="660033"/>
+                <a:srgbClr val="000066"/>
               </a:solidFill>
               <a:latin typeface="微軟正黑體" pitchFamily="34" charset="-120"/>
               <a:ea typeface="微軟正黑體" pitchFamily="34" charset="-120"/>
@@ -3574,17 +3696,29 @@
             <a:r>
               <a:rPr lang="zh-TW" altLang="en-US" sz="4800" b="1" dirty="0">
                 <a:solidFill>
-                  <a:srgbClr val="660033"/>
+                  <a:srgbClr val="000066"/>
                 </a:solidFill>
                 <a:latin typeface="微軟正黑體" pitchFamily="34" charset="-120"/>
                 <a:ea typeface="微軟正黑體" pitchFamily="34" charset="-120"/>
               </a:rPr>
               <a:t>我凡事都能做</a:t>
             </a:r>
+            <a:endParaRPr lang="zh-TW" altLang="en-US" sz="4800" b="1" dirty="0">
+              <a:solidFill>
+                <a:srgbClr val="000066"/>
+              </a:solidFill>
+              <a:latin typeface="微軟正黑體" pitchFamily="34" charset="-120"/>
+              <a:ea typeface="微軟正黑體" pitchFamily="34" charset="-120"/>
+            </a:endParaRPr>
           </a:p>
         </p:txBody>
       </p:sp>
     </p:spTree>
+    <p:extLst>
+      <p:ext uri="{BB962C8B-B14F-4D97-AF65-F5344CB8AC3E}">
+        <p14:creationId xmlns:p14="http://schemas.microsoft.com/office/powerpoint/2010/main" val="2262767954"/>
+      </p:ext>
+    </p:extLst>
   </p:cSld>
   <p:clrMapOvr>
     <a:masterClrMapping/>

--- a/凡事都能做.pptx
+++ b/凡事都能做.pptx
@@ -310,7 +310,7 @@
             <a:fld id="{BDDCA875-27AB-4822-BF5D-A821197CD970}" type="datetimeFigureOut">
               <a:rPr lang="zh-TW" altLang="en-US" smtClean="0"/>
               <a:pPr/>
-              <a:t>2021/3/27</a:t>
+              <a:t>2023/5/8</a:t>
             </a:fld>
             <a:endParaRPr lang="zh-TW" altLang="en-US"/>
           </a:p>
@@ -477,7 +477,7 @@
             <a:fld id="{BDDCA875-27AB-4822-BF5D-A821197CD970}" type="datetimeFigureOut">
               <a:rPr lang="zh-TW" altLang="en-US" smtClean="0"/>
               <a:pPr/>
-              <a:t>2021/3/27</a:t>
+              <a:t>2023/5/8</a:t>
             </a:fld>
             <a:endParaRPr lang="zh-TW" altLang="en-US"/>
           </a:p>
@@ -654,7 +654,7 @@
             <a:fld id="{BDDCA875-27AB-4822-BF5D-A821197CD970}" type="datetimeFigureOut">
               <a:rPr lang="zh-TW" altLang="en-US" smtClean="0"/>
               <a:pPr/>
-              <a:t>2021/3/27</a:t>
+              <a:t>2023/5/8</a:t>
             </a:fld>
             <a:endParaRPr lang="zh-TW" altLang="en-US"/>
           </a:p>
@@ -821,7 +821,7 @@
             <a:fld id="{BDDCA875-27AB-4822-BF5D-A821197CD970}" type="datetimeFigureOut">
               <a:rPr lang="zh-TW" altLang="en-US" smtClean="0"/>
               <a:pPr/>
-              <a:t>2021/3/27</a:t>
+              <a:t>2023/5/8</a:t>
             </a:fld>
             <a:endParaRPr lang="zh-TW" altLang="en-US"/>
           </a:p>
@@ -1064,7 +1064,7 @@
             <a:fld id="{BDDCA875-27AB-4822-BF5D-A821197CD970}" type="datetimeFigureOut">
               <a:rPr lang="zh-TW" altLang="en-US" smtClean="0"/>
               <a:pPr/>
-              <a:t>2021/3/27</a:t>
+              <a:t>2023/5/8</a:t>
             </a:fld>
             <a:endParaRPr lang="zh-TW" altLang="en-US"/>
           </a:p>
@@ -1349,7 +1349,7 @@
             <a:fld id="{BDDCA875-27AB-4822-BF5D-A821197CD970}" type="datetimeFigureOut">
               <a:rPr lang="zh-TW" altLang="en-US" smtClean="0"/>
               <a:pPr/>
-              <a:t>2021/3/27</a:t>
+              <a:t>2023/5/8</a:t>
             </a:fld>
             <a:endParaRPr lang="zh-TW" altLang="en-US"/>
           </a:p>
@@ -1768,7 +1768,7 @@
             <a:fld id="{BDDCA875-27AB-4822-BF5D-A821197CD970}" type="datetimeFigureOut">
               <a:rPr lang="zh-TW" altLang="en-US" smtClean="0"/>
               <a:pPr/>
-              <a:t>2021/3/27</a:t>
+              <a:t>2023/5/8</a:t>
             </a:fld>
             <a:endParaRPr lang="zh-TW" altLang="en-US"/>
           </a:p>
@@ -1883,7 +1883,7 @@
             <a:fld id="{BDDCA875-27AB-4822-BF5D-A821197CD970}" type="datetimeFigureOut">
               <a:rPr lang="zh-TW" altLang="en-US" smtClean="0"/>
               <a:pPr/>
-              <a:t>2021/3/27</a:t>
+              <a:t>2023/5/8</a:t>
             </a:fld>
             <a:endParaRPr lang="zh-TW" altLang="en-US"/>
           </a:p>
@@ -1975,7 +1975,7 @@
             <a:fld id="{BDDCA875-27AB-4822-BF5D-A821197CD970}" type="datetimeFigureOut">
               <a:rPr lang="zh-TW" altLang="en-US" smtClean="0"/>
               <a:pPr/>
-              <a:t>2021/3/27</a:t>
+              <a:t>2023/5/8</a:t>
             </a:fld>
             <a:endParaRPr lang="zh-TW" altLang="en-US"/>
           </a:p>
@@ -2249,7 +2249,7 @@
             <a:fld id="{BDDCA875-27AB-4822-BF5D-A821197CD970}" type="datetimeFigureOut">
               <a:rPr lang="zh-TW" altLang="en-US" smtClean="0"/>
               <a:pPr/>
-              <a:t>2021/3/27</a:t>
+              <a:t>2023/5/8</a:t>
             </a:fld>
             <a:endParaRPr lang="zh-TW" altLang="en-US"/>
           </a:p>
@@ -2503,7 +2503,7 @@
             <a:fld id="{BDDCA875-27AB-4822-BF5D-A821197CD970}" type="datetimeFigureOut">
               <a:rPr lang="zh-TW" altLang="en-US" smtClean="0"/>
               <a:pPr/>
-              <a:t>2021/3/27</a:t>
+              <a:t>2023/5/8</a:t>
             </a:fld>
             <a:endParaRPr lang="zh-TW" altLang="en-US"/>
           </a:p>
@@ -2718,7 +2718,7 @@
             <a:fld id="{BDDCA875-27AB-4822-BF5D-A821197CD970}" type="datetimeFigureOut">
               <a:rPr lang="zh-TW" altLang="en-US" smtClean="0"/>
               <a:pPr/>
-              <a:t>2021/3/27</a:t>
+              <a:t>2023/5/8</a:t>
             </a:fld>
             <a:endParaRPr lang="zh-TW" altLang="en-US"/>
           </a:p>
@@ -3315,12 +3315,67 @@
               </a:rPr>
               <a:t>知主已掌權</a:t>
             </a:r>
-            <a:endParaRPr lang="zh-TW" altLang="en-US" sz="4800" b="1" dirty="0">
+          </a:p>
+        </p:txBody>
+      </p:sp>
+      <p:sp>
+        <p:nvSpPr>
+          <p:cNvPr id="3" name="TextBox 2"/>
+          <p:cNvSpPr txBox="1"/>
+          <p:nvPr/>
+        </p:nvSpPr>
+        <p:spPr>
+          <a:xfrm>
+            <a:off x="0" y="3795886"/>
+            <a:ext cx="9144000" cy="523220"/>
+          </a:xfrm>
+          <a:prstGeom prst="rect">
+            <a:avLst/>
+          </a:prstGeom>
+          <a:noFill/>
+        </p:spPr>
+        <p:txBody>
+          <a:bodyPr wrap="square" rtlCol="0">
+            <a:spAutoFit/>
+          </a:bodyPr>
+          <a:lstStyle/>
+          <a:p>
+            <a:pPr algn="ctr"/>
+            <a:r>
+              <a:rPr lang="en-US" sz="2800" b="1" dirty="0">
+                <a:solidFill>
+                  <a:srgbClr val="000066"/>
+                </a:solidFill>
+                <a:latin typeface="Microsoft JhengHei" panose="020B0604030504040204" pitchFamily="34" charset="-120"/>
+                <a:ea typeface="Microsoft JhengHei" panose="020B0604030504040204" pitchFamily="34" charset="-120"/>
+              </a:rPr>
+              <a:t>( </a:t>
+            </a:r>
+            <a:r>
+              <a:rPr lang="zh-CN" altLang="en-US" sz="2800" b="1" dirty="0">
+                <a:solidFill>
+                  <a:srgbClr val="000066"/>
+                </a:solidFill>
+                <a:latin typeface="Microsoft JhengHei" panose="020B0604030504040204" pitchFamily="34" charset="-120"/>
+                <a:ea typeface="Microsoft JhengHei" panose="020B0604030504040204" pitchFamily="34" charset="-120"/>
+              </a:rPr>
+              <a:t>正</a:t>
+            </a:r>
+            <a:r>
+              <a:rPr lang="en-US" sz="2800" b="1" dirty="0">
+                <a:solidFill>
+                  <a:srgbClr val="000066"/>
+                </a:solidFill>
+                <a:latin typeface="Microsoft JhengHei" panose="020B0604030504040204" pitchFamily="34" charset="-120"/>
+                <a:ea typeface="Microsoft JhengHei" panose="020B0604030504040204" pitchFamily="34" charset="-120"/>
+              </a:rPr>
+              <a:t> )</a:t>
+            </a:r>
+            <a:endParaRPr lang="vi-VN" sz="2800" b="1" dirty="0">
               <a:solidFill>
                 <a:srgbClr val="000066"/>
               </a:solidFill>
-              <a:latin typeface="微軟正黑體" pitchFamily="34" charset="-120"/>
-              <a:ea typeface="微軟正黑體" pitchFamily="34" charset="-120"/>
+              <a:ea typeface="Microsoft JhengHei" panose="020B0604030504040204" pitchFamily="34" charset="-120"/>
             </a:endParaRPr>
           </a:p>
         </p:txBody>
@@ -3422,6 +3477,78 @@
           </a:p>
         </p:txBody>
       </p:sp>
+      <p:sp>
+        <p:nvSpPr>
+          <p:cNvPr id="3" name="TextBox 2"/>
+          <p:cNvSpPr txBox="1"/>
+          <p:nvPr/>
+        </p:nvSpPr>
+        <p:spPr>
+          <a:xfrm>
+            <a:off x="0" y="3795886"/>
+            <a:ext cx="9144000" cy="523220"/>
+          </a:xfrm>
+          <a:prstGeom prst="rect">
+            <a:avLst/>
+          </a:prstGeom>
+          <a:noFill/>
+        </p:spPr>
+        <p:txBody>
+          <a:bodyPr wrap="square" rtlCol="0">
+            <a:spAutoFit/>
+          </a:bodyPr>
+          <a:lstStyle/>
+          <a:p>
+            <a:pPr algn="ctr"/>
+            <a:r>
+              <a:rPr lang="en-US" sz="2800" b="1" dirty="0">
+                <a:solidFill>
+                  <a:srgbClr val="000066"/>
+                </a:solidFill>
+                <a:latin typeface="Microsoft JhengHei" panose="020B0604030504040204" pitchFamily="34" charset="-120"/>
+                <a:ea typeface="Microsoft JhengHei" panose="020B0604030504040204" pitchFamily="34" charset="-120"/>
+              </a:rPr>
+              <a:t>( </a:t>
+            </a:r>
+            <a:r>
+              <a:rPr lang="zh-CN" altLang="en-US" sz="2800" b="1" dirty="0" smtClean="0">
+                <a:solidFill>
+                  <a:srgbClr val="000066"/>
+                </a:solidFill>
+                <a:latin typeface="Microsoft JhengHei" panose="020B0604030504040204" pitchFamily="34" charset="-120"/>
+                <a:ea typeface="Microsoft JhengHei" panose="020B0604030504040204" pitchFamily="34" charset="-120"/>
+              </a:rPr>
+              <a:t>副</a:t>
+            </a:r>
+            <a:r>
+              <a:rPr lang="en-US" sz="2800" b="1" dirty="0" smtClean="0">
+                <a:solidFill>
+                  <a:srgbClr val="000066"/>
+                </a:solidFill>
+                <a:latin typeface="Microsoft JhengHei" panose="020B0604030504040204" pitchFamily="34" charset="-120"/>
+                <a:ea typeface="Microsoft JhengHei" panose="020B0604030504040204" pitchFamily="34" charset="-120"/>
+              </a:rPr>
+              <a:t> </a:t>
+            </a:r>
+            <a:r>
+              <a:rPr lang="en-US" sz="2800" b="1" dirty="0">
+                <a:solidFill>
+                  <a:srgbClr val="000066"/>
+                </a:solidFill>
+                <a:latin typeface="Microsoft JhengHei" panose="020B0604030504040204" pitchFamily="34" charset="-120"/>
+                <a:ea typeface="Microsoft JhengHei" panose="020B0604030504040204" pitchFamily="34" charset="-120"/>
+              </a:rPr>
+              <a:t>)</a:t>
+            </a:r>
+            <a:endParaRPr lang="vi-VN" sz="2800" b="1" dirty="0">
+              <a:solidFill>
+                <a:srgbClr val="000066"/>
+              </a:solidFill>
+              <a:ea typeface="Microsoft JhengHei" panose="020B0604030504040204" pitchFamily="34" charset="-120"/>
+            </a:endParaRPr>
+          </a:p>
+        </p:txBody>
+      </p:sp>
     </p:spTree>
     <p:extLst>
       <p:ext uri="{BB962C8B-B14F-4D97-AF65-F5344CB8AC3E}">
@@ -3509,12 +3636,67 @@
               </a:rPr>
               <a:t>主平安在我心</a:t>
             </a:r>
-            <a:endParaRPr lang="zh-TW" altLang="en-US" sz="4800" b="1" dirty="0">
+          </a:p>
+        </p:txBody>
+      </p:sp>
+      <p:sp>
+        <p:nvSpPr>
+          <p:cNvPr id="3" name="TextBox 2"/>
+          <p:cNvSpPr txBox="1"/>
+          <p:nvPr/>
+        </p:nvSpPr>
+        <p:spPr>
+          <a:xfrm>
+            <a:off x="0" y="3795886"/>
+            <a:ext cx="9144000" cy="523220"/>
+          </a:xfrm>
+          <a:prstGeom prst="rect">
+            <a:avLst/>
+          </a:prstGeom>
+          <a:noFill/>
+        </p:spPr>
+        <p:txBody>
+          <a:bodyPr wrap="square" rtlCol="0">
+            <a:spAutoFit/>
+          </a:bodyPr>
+          <a:lstStyle/>
+          <a:p>
+            <a:pPr algn="ctr"/>
+            <a:r>
+              <a:rPr lang="en-US" sz="2800" b="1" dirty="0">
+                <a:solidFill>
+                  <a:srgbClr val="000066"/>
+                </a:solidFill>
+                <a:latin typeface="Microsoft JhengHei" panose="020B0604030504040204" pitchFamily="34" charset="-120"/>
+                <a:ea typeface="Microsoft JhengHei" panose="020B0604030504040204" pitchFamily="34" charset="-120"/>
+              </a:rPr>
+              <a:t>( </a:t>
+            </a:r>
+            <a:r>
+              <a:rPr lang="zh-CN" altLang="en-US" sz="2800" b="1" dirty="0">
+                <a:solidFill>
+                  <a:srgbClr val="000066"/>
+                </a:solidFill>
+                <a:latin typeface="Microsoft JhengHei" panose="020B0604030504040204" pitchFamily="34" charset="-120"/>
+                <a:ea typeface="Microsoft JhengHei" panose="020B0604030504040204" pitchFamily="34" charset="-120"/>
+              </a:rPr>
+              <a:t>副</a:t>
+            </a:r>
+            <a:r>
+              <a:rPr lang="en-US" sz="2800" b="1" dirty="0">
+                <a:solidFill>
+                  <a:srgbClr val="000066"/>
+                </a:solidFill>
+                <a:latin typeface="Microsoft JhengHei" panose="020B0604030504040204" pitchFamily="34" charset="-120"/>
+                <a:ea typeface="Microsoft JhengHei" panose="020B0604030504040204" pitchFamily="34" charset="-120"/>
+              </a:rPr>
+              <a:t> )</a:t>
+            </a:r>
+            <a:endParaRPr lang="vi-VN" sz="2800" b="1" dirty="0">
               <a:solidFill>
                 <a:srgbClr val="000066"/>
               </a:solidFill>
-              <a:latin typeface="微軟正黑體" pitchFamily="34" charset="-120"/>
-              <a:ea typeface="微軟正黑體" pitchFamily="34" charset="-120"/>
+              <a:ea typeface="Microsoft JhengHei" panose="020B0604030504040204" pitchFamily="34" charset="-120"/>
             </a:endParaRPr>
           </a:p>
         </p:txBody>
@@ -3616,6 +3798,68 @@
           </a:p>
         </p:txBody>
       </p:sp>
+      <p:sp>
+        <p:nvSpPr>
+          <p:cNvPr id="3" name="TextBox 2"/>
+          <p:cNvSpPr txBox="1"/>
+          <p:nvPr/>
+        </p:nvSpPr>
+        <p:spPr>
+          <a:xfrm>
+            <a:off x="0" y="3795886"/>
+            <a:ext cx="9144000" cy="523220"/>
+          </a:xfrm>
+          <a:prstGeom prst="rect">
+            <a:avLst/>
+          </a:prstGeom>
+          <a:noFill/>
+        </p:spPr>
+        <p:txBody>
+          <a:bodyPr wrap="square" rtlCol="0">
+            <a:spAutoFit/>
+          </a:bodyPr>
+          <a:lstStyle/>
+          <a:p>
+            <a:pPr algn="ctr"/>
+            <a:r>
+              <a:rPr lang="en-US" sz="2800" b="1" dirty="0">
+                <a:solidFill>
+                  <a:srgbClr val="000066"/>
+                </a:solidFill>
+                <a:latin typeface="Microsoft JhengHei" panose="020B0604030504040204" pitchFamily="34" charset="-120"/>
+                <a:ea typeface="Microsoft JhengHei" panose="020B0604030504040204" pitchFamily="34" charset="-120"/>
+              </a:rPr>
+              <a:t>( </a:t>
+            </a:r>
+            <a:r>
+              <a:rPr lang="zh-CN" altLang="en-US" sz="2800" b="1" dirty="0">
+                <a:solidFill>
+                  <a:srgbClr val="000066"/>
+                </a:solidFill>
+                <a:latin typeface="Microsoft JhengHei" panose="020B0604030504040204" pitchFamily="34" charset="-120"/>
+                <a:ea typeface="Microsoft JhengHei" panose="020B0604030504040204" pitchFamily="34" charset="-120"/>
+              </a:rPr>
+              <a:t>副</a:t>
+            </a:r>
+            <a:r>
+              <a:rPr lang="en-US" sz="2800" b="1" dirty="0">
+                <a:solidFill>
+                  <a:srgbClr val="000066"/>
+                </a:solidFill>
+                <a:latin typeface="Microsoft JhengHei" panose="020B0604030504040204" pitchFamily="34" charset="-120"/>
+                <a:ea typeface="Microsoft JhengHei" panose="020B0604030504040204" pitchFamily="34" charset="-120"/>
+              </a:rPr>
+              <a:t> )</a:t>
+            </a:r>
+            <a:endParaRPr lang="vi-VN" sz="2800" b="1" dirty="0">
+              <a:solidFill>
+                <a:srgbClr val="000066"/>
+              </a:solidFill>
+              <a:ea typeface="Microsoft JhengHei" panose="020B0604030504040204" pitchFamily="34" charset="-120"/>
+            </a:endParaRPr>
+          </a:p>
+        </p:txBody>
+      </p:sp>
     </p:spTree>
     <p:extLst>
       <p:ext uri="{BB962C8B-B14F-4D97-AF65-F5344CB8AC3E}">
@@ -3703,12 +3947,67 @@
               </a:rPr>
               <a:t>我凡事都能做</a:t>
             </a:r>
-            <a:endParaRPr lang="zh-TW" altLang="en-US" sz="4800" b="1" dirty="0">
+          </a:p>
+        </p:txBody>
+      </p:sp>
+      <p:sp>
+        <p:nvSpPr>
+          <p:cNvPr id="3" name="TextBox 2"/>
+          <p:cNvSpPr txBox="1"/>
+          <p:nvPr/>
+        </p:nvSpPr>
+        <p:spPr>
+          <a:xfrm>
+            <a:off x="0" y="3795886"/>
+            <a:ext cx="9144000" cy="523220"/>
+          </a:xfrm>
+          <a:prstGeom prst="rect">
+            <a:avLst/>
+          </a:prstGeom>
+          <a:noFill/>
+        </p:spPr>
+        <p:txBody>
+          <a:bodyPr wrap="square" rtlCol="0">
+            <a:spAutoFit/>
+          </a:bodyPr>
+          <a:lstStyle/>
+          <a:p>
+            <a:pPr algn="ctr"/>
+            <a:r>
+              <a:rPr lang="en-US" sz="2800" b="1" dirty="0">
+                <a:solidFill>
+                  <a:srgbClr val="000066"/>
+                </a:solidFill>
+                <a:latin typeface="Microsoft JhengHei" panose="020B0604030504040204" pitchFamily="34" charset="-120"/>
+                <a:ea typeface="Microsoft JhengHei" panose="020B0604030504040204" pitchFamily="34" charset="-120"/>
+              </a:rPr>
+              <a:t>( </a:t>
+            </a:r>
+            <a:r>
+              <a:rPr lang="zh-CN" altLang="en-US" sz="2800" b="1" dirty="0">
+                <a:solidFill>
+                  <a:srgbClr val="000066"/>
+                </a:solidFill>
+                <a:latin typeface="Microsoft JhengHei" panose="020B0604030504040204" pitchFamily="34" charset="-120"/>
+                <a:ea typeface="Microsoft JhengHei" panose="020B0604030504040204" pitchFamily="34" charset="-120"/>
+              </a:rPr>
+              <a:t>副</a:t>
+            </a:r>
+            <a:r>
+              <a:rPr lang="en-US" sz="2800" b="1" dirty="0">
+                <a:solidFill>
+                  <a:srgbClr val="000066"/>
+                </a:solidFill>
+                <a:latin typeface="Microsoft JhengHei" panose="020B0604030504040204" pitchFamily="34" charset="-120"/>
+                <a:ea typeface="Microsoft JhengHei" panose="020B0604030504040204" pitchFamily="34" charset="-120"/>
+              </a:rPr>
+              <a:t> )</a:t>
+            </a:r>
+            <a:endParaRPr lang="vi-VN" sz="2800" b="1" dirty="0">
               <a:solidFill>
                 <a:srgbClr val="000066"/>
               </a:solidFill>
-              <a:latin typeface="微軟正黑體" pitchFamily="34" charset="-120"/>
-              <a:ea typeface="微軟正黑體" pitchFamily="34" charset="-120"/>
+              <a:ea typeface="Microsoft JhengHei" panose="020B0604030504040204" pitchFamily="34" charset="-120"/>
             </a:endParaRPr>
           </a:p>
         </p:txBody>
